--- a/pptx/result/test.pptx
+++ b/pptx/result/test.pptx
@@ -3122,9 +3122,33 @@
           <a:p/>
         </p:txBody>
       </p:sp>
+      <p:pic>
+        <p:nvPicPr>
+          <p:cNvPr id="4" name="Picture 3" descr="dontlaught.jpg"/>
+          <p:cNvPicPr>
+            <a:picLocks noChangeAspect="1"/>
+          </p:cNvPicPr>
+          <p:nvPr/>
+        </p:nvPicPr>
+        <p:blipFill>
+          <a:blip r:embed="rId2"/>
+          <a:stretch>
+            <a:fillRect/>
+          </a:stretch>
+        </p:blipFill>
+        <p:spPr>
+          <a:xfrm>
+            <a:off x="914400" y="914400"/>
+            <a:ext cx="14630400" cy="9144000"/>
+          </a:xfrm>
+          <a:prstGeom prst="rect">
+            <a:avLst/>
+          </a:prstGeom>
+        </p:spPr>
+      </p:pic>
       <p:graphicFrame>
         <p:nvGraphicFramePr>
-          <p:cNvPr id="4" name="Table 3"/>
+          <p:cNvPr id="5" name="Table 4"/>
           <p:cNvGraphicFramePr>
             <a:graphicFrameLocks noGrp="1"/>
           </p:cNvGraphicFramePr>
@@ -3376,6 +3400,2825 @@
                         <a:defRPr sz="1200"/>
                       </a:pPr>
                       <a:r>
+                        <a:rPr sz="1000" b="1" i="1">
+                          <a:solidFill>
+                            <a:srgbClr val="0000FF"/>
+                          </a:solidFill>
+                          <a:latin typeface="Calibri"/>
+                        </a:rPr>
+                        <a:t>PASS</a:t>
+                      </a:r>
+                    </a:p>
+                  </a:txBody>
+                  <a:tcPr/>
+                </a:tc>
+                <a:tc>
+                  <a:txBody>
+                    <a:bodyPr/>
+                    <a:lstStyle/>
+                    <a:p>
+                      <a:pPr>
+                        <a:defRPr sz="1200"/>
+                      </a:pPr>
+                      <a:r>
+                        <a:t>-56</a:t>
+                      </a:r>
+                    </a:p>
+                  </a:txBody>
+                  <a:tcPr>
+                    <a:solidFill>
+                      <a:srgbClr val="FF0000"/>
+                    </a:solidFill>
+                  </a:tcPr>
+                </a:tc>
+                <a:tc>
+                  <a:txBody>
+                    <a:bodyPr/>
+                    <a:lstStyle/>
+                    <a:p>
+                      <a:pPr>
+                        <a:defRPr sz="1200"/>
+                      </a:pPr>
+                      <a:r>
+                        <a:t>-57</a:t>
+                      </a:r>
+                    </a:p>
+                  </a:txBody>
+                  <a:tcPr/>
+                </a:tc>
+                <a:tc>
+                  <a:txBody>
+                    <a:bodyPr/>
+                    <a:lstStyle/>
+                    <a:p>
+                      <a:pPr>
+                        <a:defRPr sz="1200"/>
+                      </a:pPr>
+                      <a:r>
+                        <a:t>-65</a:t>
+                      </a:r>
+                    </a:p>
+                  </a:txBody>
+                  <a:tcPr/>
+                </a:tc>
+              </a:tr>
+              <a:tr h="0">
+                <a:tc>
+                  <a:txBody>
+                    <a:bodyPr/>
+                    <a:lstStyle/>
+                    <a:p>
+                      <a:pPr>
+                        <a:defRPr sz="1200"/>
+                      </a:pPr>
+                      <a:r>
+                        <a:t>3</a:t>
+                      </a:r>
+                    </a:p>
+                  </a:txBody>
+                  <a:tcPr/>
+                </a:tc>
+                <a:tc>
+                  <a:txBody>
+                    <a:bodyPr/>
+                    <a:lstStyle/>
+                    <a:p>
+                      <a:pPr>
+                        <a:defRPr sz="1200"/>
+                      </a:pPr>
+                      <a:r>
+                        <a:t>7249141700005</a:t>
+                      </a:r>
+                    </a:p>
+                  </a:txBody>
+                  <a:tcPr/>
+                </a:tc>
+                <a:tc>
+                  <a:txBody>
+                    <a:bodyPr/>
+                    <a:lstStyle/>
+                    <a:p>
+                      <a:pPr>
+                        <a:defRPr sz="1200"/>
+                      </a:pPr>
+                      <a:r>
+                        <a:t>PASS</a:t>
+                      </a:r>
+                    </a:p>
+                  </a:txBody>
+                  <a:tcPr/>
+                </a:tc>
+                <a:tc>
+                  <a:txBody>
+                    <a:bodyPr/>
+                    <a:lstStyle/>
+                    <a:p>
+                      <a:pPr>
+                        <a:defRPr sz="1200"/>
+                      </a:pPr>
+                      <a:r>
+                        <a:rPr sz="1000" b="1" i="1">
+                          <a:solidFill>
+                            <a:srgbClr val="0000FF"/>
+                          </a:solidFill>
+                          <a:latin typeface="Calibri"/>
+                        </a:rPr>
+                        <a:t>-52</a:t>
+                      </a:r>
+                    </a:p>
+                  </a:txBody>
+                  <a:tcPr/>
+                </a:tc>
+                <a:tc>
+                  <a:txBody>
+                    <a:bodyPr/>
+                    <a:lstStyle/>
+                    <a:p>
+                      <a:pPr>
+                        <a:defRPr sz="1200"/>
+                      </a:pPr>
+                      <a:r>
+                        <a:t>-53</a:t>
+                      </a:r>
+                    </a:p>
+                  </a:txBody>
+                  <a:tcPr/>
+                </a:tc>
+                <a:tc>
+                  <a:txBody>
+                    <a:bodyPr/>
+                    <a:lstStyle/>
+                    <a:p>
+                      <a:pPr>
+                        <a:defRPr sz="1200"/>
+                      </a:pPr>
+                      <a:r>
+                        <a:t>-65</a:t>
+                      </a:r>
+                      <a:r>
+                        <a:rPr sz="1000" b="1" i="1">
+                          <a:solidFill>
+                            <a:srgbClr val="0000FF"/>
+                          </a:solidFill>
+                          <a:latin typeface="Calibri"/>
+                        </a:rPr>
+                        <a:t>asdfasdf</a:t>
+                      </a:r>
+                    </a:p>
+                  </a:txBody>
+                  <a:tcPr/>
+                </a:tc>
+              </a:tr>
+              <a:tr h="0">
+                <a:tc>
+                  <a:txBody>
+                    <a:bodyPr/>
+                    <a:lstStyle/>
+                    <a:p>
+                      <a:pPr>
+                        <a:defRPr sz="1200"/>
+                      </a:pPr>
+                      <a:r>
+                        <a:t>4</a:t>
+                      </a:r>
+                    </a:p>
+                  </a:txBody>
+                  <a:tcPr/>
+                </a:tc>
+                <a:tc>
+                  <a:txBody>
+                    <a:bodyPr/>
+                    <a:lstStyle/>
+                    <a:p>
+                      <a:pPr>
+                        <a:defRPr sz="1200"/>
+                      </a:pPr>
+                      <a:r>
+                        <a:t>7249141700008</a:t>
+                      </a:r>
+                    </a:p>
+                  </a:txBody>
+                  <a:tcPr/>
+                </a:tc>
+                <a:tc>
+                  <a:txBody>
+                    <a:bodyPr/>
+                    <a:lstStyle/>
+                    <a:p>
+                      <a:pPr>
+                        <a:defRPr sz="1200"/>
+                      </a:pPr>
+                      <a:r>
+                        <a:t>PASS</a:t>
+                      </a:r>
+                    </a:p>
+                  </a:txBody>
+                  <a:tcPr/>
+                </a:tc>
+                <a:tc>
+                  <a:txBody>
+                    <a:bodyPr/>
+                    <a:lstStyle/>
+                    <a:p>
+                      <a:pPr>
+                        <a:defRPr sz="1200"/>
+                      </a:pPr>
+                      <a:r>
+                        <a:t>-52</a:t>
+                      </a:r>
+                    </a:p>
+                  </a:txBody>
+                  <a:tcPr/>
+                </a:tc>
+                <a:tc>
+                  <a:txBody>
+                    <a:bodyPr/>
+                    <a:lstStyle/>
+                    <a:p>
+                      <a:pPr>
+                        <a:defRPr sz="1200"/>
+                      </a:pPr>
+                      <a:r>
+                        <a:t>-53</a:t>
+                      </a:r>
+                    </a:p>
+                  </a:txBody>
+                  <a:tcPr/>
+                </a:tc>
+                <a:tc>
+                  <a:txBody>
+                    <a:bodyPr/>
+                    <a:lstStyle/>
+                    <a:p>
+                      <a:pPr>
+                        <a:defRPr sz="1200"/>
+                      </a:pPr>
+                      <a:r>
+                        <a:t>-65</a:t>
+                      </a:r>
+                    </a:p>
+                  </a:txBody>
+                  <a:tcPr/>
+                </a:tc>
+              </a:tr>
+              <a:tr h="0">
+                <a:tc>
+                  <a:txBody>
+                    <a:bodyPr/>
+                    <a:lstStyle/>
+                    <a:p>
+                      <a:pPr>
+                        <a:defRPr sz="1200"/>
+                      </a:pPr>
+                      <a:r>
+                        <a:t>5</a:t>
+                      </a:r>
+                    </a:p>
+                  </a:txBody>
+                  <a:tcPr/>
+                </a:tc>
+                <a:tc>
+                  <a:txBody>
+                    <a:bodyPr/>
+                    <a:lstStyle/>
+                    <a:p>
+                      <a:pPr>
+                        <a:defRPr sz="1200"/>
+                      </a:pPr>
+                      <a:r>
+                        <a:t>7249141700009</a:t>
+                      </a:r>
+                    </a:p>
+                  </a:txBody>
+                  <a:tcPr/>
+                </a:tc>
+                <a:tc>
+                  <a:txBody>
+                    <a:bodyPr/>
+                    <a:lstStyle/>
+                    <a:p>
+                      <a:pPr>
+                        <a:defRPr sz="1200"/>
+                      </a:pPr>
+                      <a:r>
+                        <a:t>PASS</a:t>
+                      </a:r>
+                    </a:p>
+                  </a:txBody>
+                  <a:tcPr/>
+                </a:tc>
+                <a:tc>
+                  <a:txBody>
+                    <a:bodyPr/>
+                    <a:lstStyle/>
+                    <a:p>
+                      <a:pPr>
+                        <a:defRPr sz="1200"/>
+                      </a:pPr>
+                      <a:r>
+                        <a:t>-45</a:t>
+                      </a:r>
+                    </a:p>
+                  </a:txBody>
+                  <a:tcPr/>
+                </a:tc>
+                <a:tc>
+                  <a:txBody>
+                    <a:bodyPr/>
+                    <a:lstStyle/>
+                    <a:p>
+                      <a:pPr>
+                        <a:defRPr sz="1200"/>
+                      </a:pPr>
+                      <a:r>
+                        <a:t>-52</a:t>
+                      </a:r>
+                    </a:p>
+                  </a:txBody>
+                  <a:tcPr/>
+                </a:tc>
+                <a:tc>
+                  <a:txBody>
+                    <a:bodyPr/>
+                    <a:lstStyle/>
+                    <a:p>
+                      <a:pPr>
+                        <a:defRPr sz="1200"/>
+                      </a:pPr>
+                      <a:r>
+                        <a:t>-65</a:t>
+                      </a:r>
+                    </a:p>
+                  </a:txBody>
+                  <a:tcPr/>
+                </a:tc>
+              </a:tr>
+              <a:tr h="0">
+                <a:tc>
+                  <a:txBody>
+                    <a:bodyPr/>
+                    <a:lstStyle/>
+                    <a:p>
+                      <a:pPr>
+                        <a:defRPr sz="1200"/>
+                      </a:pPr>
+                      <a:r>
+                        <a:t>6</a:t>
+                      </a:r>
+                    </a:p>
+                  </a:txBody>
+                  <a:tcPr/>
+                </a:tc>
+                <a:tc>
+                  <a:txBody>
+                    <a:bodyPr/>
+                    <a:lstStyle/>
+                    <a:p>
+                      <a:pPr>
+                        <a:defRPr sz="1200"/>
+                      </a:pPr>
+                      <a:r>
+                        <a:t>7249141700011</a:t>
+                      </a:r>
+                    </a:p>
+                  </a:txBody>
+                  <a:tcPr/>
+                </a:tc>
+                <a:tc>
+                  <a:txBody>
+                    <a:bodyPr/>
+                    <a:lstStyle/>
+                    <a:p>
+                      <a:pPr>
+                        <a:defRPr sz="1200"/>
+                      </a:pPr>
+                      <a:r>
+                        <a:t>PASS</a:t>
+                      </a:r>
+                    </a:p>
+                  </a:txBody>
+                  <a:tcPr/>
+                </a:tc>
+                <a:tc>
+                  <a:txBody>
+                    <a:bodyPr/>
+                    <a:lstStyle/>
+                    <a:p>
+                      <a:pPr>
+                        <a:defRPr sz="1200"/>
+                      </a:pPr>
+                      <a:r>
+                        <a:t>-62</a:t>
+                      </a:r>
+                    </a:p>
+                  </a:txBody>
+                  <a:tcPr/>
+                </a:tc>
+                <a:tc>
+                  <a:txBody>
+                    <a:bodyPr/>
+                    <a:lstStyle/>
+                    <a:p>
+                      <a:pPr>
+                        <a:defRPr sz="1200"/>
+                      </a:pPr>
+                      <a:r>
+                        <a:t>-56</a:t>
+                      </a:r>
+                    </a:p>
+                  </a:txBody>
+                  <a:tcPr/>
+                </a:tc>
+                <a:tc>
+                  <a:txBody>
+                    <a:bodyPr/>
+                    <a:lstStyle/>
+                    <a:p>
+                      <a:pPr>
+                        <a:defRPr sz="1200"/>
+                      </a:pPr>
+                      <a:r>
+                        <a:t>-65</a:t>
+                      </a:r>
+                    </a:p>
+                  </a:txBody>
+                  <a:tcPr/>
+                </a:tc>
+              </a:tr>
+              <a:tr h="0">
+                <a:tc>
+                  <a:txBody>
+                    <a:bodyPr/>
+                    <a:lstStyle/>
+                    <a:p>
+                      <a:pPr>
+                        <a:defRPr sz="1200"/>
+                      </a:pPr>
+                      <a:r>
+                        <a:t>7</a:t>
+                      </a:r>
+                    </a:p>
+                  </a:txBody>
+                  <a:tcPr/>
+                </a:tc>
+                <a:tc>
+                  <a:txBody>
+                    <a:bodyPr/>
+                    <a:lstStyle/>
+                    <a:p>
+                      <a:pPr>
+                        <a:defRPr sz="1200"/>
+                      </a:pPr>
+                      <a:r>
+                        <a:t>7249141700012</a:t>
+                      </a:r>
+                    </a:p>
+                  </a:txBody>
+                  <a:tcPr/>
+                </a:tc>
+                <a:tc>
+                  <a:txBody>
+                    <a:bodyPr/>
+                    <a:lstStyle/>
+                    <a:p>
+                      <a:pPr>
+                        <a:defRPr sz="1200"/>
+                      </a:pPr>
+                      <a:r>
+                        <a:t>PASS</a:t>
+                      </a:r>
+                    </a:p>
+                  </a:txBody>
+                  <a:tcPr/>
+                </a:tc>
+                <a:tc>
+                  <a:txBody>
+                    <a:bodyPr/>
+                    <a:lstStyle/>
+                    <a:p>
+                      <a:pPr>
+                        <a:defRPr sz="1200"/>
+                      </a:pPr>
+                      <a:r>
+                        <a:t>-61</a:t>
+                      </a:r>
+                    </a:p>
+                  </a:txBody>
+                  <a:tcPr/>
+                </a:tc>
+                <a:tc>
+                  <a:txBody>
+                    <a:bodyPr/>
+                    <a:lstStyle/>
+                    <a:p>
+                      <a:pPr>
+                        <a:defRPr sz="1200"/>
+                      </a:pPr>
+                      <a:r>
+                        <a:t>-61</a:t>
+                      </a:r>
+                    </a:p>
+                  </a:txBody>
+                  <a:tcPr/>
+                </a:tc>
+                <a:tc>
+                  <a:txBody>
+                    <a:bodyPr/>
+                    <a:lstStyle/>
+                    <a:p>
+                      <a:pPr>
+                        <a:defRPr sz="1200"/>
+                      </a:pPr>
+                      <a:r>
+                        <a:t>-65</a:t>
+                      </a:r>
+                    </a:p>
+                  </a:txBody>
+                  <a:tcPr/>
+                </a:tc>
+              </a:tr>
+              <a:tr h="0">
+                <a:tc>
+                  <a:txBody>
+                    <a:bodyPr/>
+                    <a:lstStyle/>
+                    <a:p>
+                      <a:pPr>
+                        <a:defRPr sz="1200"/>
+                      </a:pPr>
+                      <a:r>
+                        <a:t>8</a:t>
+                      </a:r>
+                    </a:p>
+                  </a:txBody>
+                  <a:tcPr/>
+                </a:tc>
+                <a:tc>
+                  <a:txBody>
+                    <a:bodyPr/>
+                    <a:lstStyle/>
+                    <a:p>
+                      <a:pPr>
+                        <a:defRPr sz="1200"/>
+                      </a:pPr>
+                      <a:r>
+                        <a:t>7249141800002</a:t>
+                      </a:r>
+                    </a:p>
+                  </a:txBody>
+                  <a:tcPr/>
+                </a:tc>
+                <a:tc>
+                  <a:txBody>
+                    <a:bodyPr/>
+                    <a:lstStyle/>
+                    <a:p>
+                      <a:pPr>
+                        <a:defRPr sz="1200"/>
+                      </a:pPr>
+                      <a:r>
+                        <a:t>PASS</a:t>
+                      </a:r>
+                    </a:p>
+                  </a:txBody>
+                  <a:tcPr/>
+                </a:tc>
+                <a:tc>
+                  <a:txBody>
+                    <a:bodyPr/>
+                    <a:lstStyle/>
+                    <a:p>
+                      <a:pPr>
+                        <a:defRPr sz="1200"/>
+                      </a:pPr>
+                      <a:r>
+                        <a:t>-64</a:t>
+                      </a:r>
+                    </a:p>
+                  </a:txBody>
+                  <a:tcPr/>
+                </a:tc>
+                <a:tc>
+                  <a:txBody>
+                    <a:bodyPr/>
+                    <a:lstStyle/>
+                    <a:p>
+                      <a:pPr>
+                        <a:defRPr sz="1200"/>
+                      </a:pPr>
+                      <a:r>
+                        <a:t>-65</a:t>
+                      </a:r>
+                    </a:p>
+                  </a:txBody>
+                  <a:tcPr/>
+                </a:tc>
+                <a:tc>
+                  <a:txBody>
+                    <a:bodyPr/>
+                    <a:lstStyle/>
+                    <a:p>
+                      <a:pPr>
+                        <a:defRPr sz="1200"/>
+                      </a:pPr>
+                      <a:r>
+                        <a:t>-65</a:t>
+                      </a:r>
+                    </a:p>
+                  </a:txBody>
+                  <a:tcPr/>
+                </a:tc>
+              </a:tr>
+              <a:tr h="0">
+                <a:tc>
+                  <a:txBody>
+                    <a:bodyPr/>
+                    <a:lstStyle/>
+                    <a:p>
+                      <a:pPr>
+                        <a:defRPr sz="1200"/>
+                      </a:pPr>
+                      <a:r>
+                        <a:t>9</a:t>
+                      </a:r>
+                    </a:p>
+                  </a:txBody>
+                  <a:tcPr/>
+                </a:tc>
+                <a:tc>
+                  <a:txBody>
+                    <a:bodyPr/>
+                    <a:lstStyle/>
+                    <a:p>
+                      <a:pPr>
+                        <a:defRPr sz="1200"/>
+                      </a:pPr>
+                      <a:r>
+                        <a:t>7249141800006</a:t>
+                      </a:r>
+                    </a:p>
+                  </a:txBody>
+                  <a:tcPr/>
+                </a:tc>
+                <a:tc>
+                  <a:txBody>
+                    <a:bodyPr/>
+                    <a:lstStyle/>
+                    <a:p>
+                      <a:pPr>
+                        <a:defRPr sz="1200"/>
+                      </a:pPr>
+                      <a:r>
+                        <a:t>PASS</a:t>
+                      </a:r>
+                    </a:p>
+                  </a:txBody>
+                  <a:tcPr/>
+                </a:tc>
+                <a:tc>
+                  <a:txBody>
+                    <a:bodyPr/>
+                    <a:lstStyle/>
+                    <a:p>
+                      <a:pPr>
+                        <a:defRPr sz="1200"/>
+                      </a:pPr>
+                      <a:r>
+                        <a:t>-64</a:t>
+                      </a:r>
+                    </a:p>
+                  </a:txBody>
+                  <a:tcPr/>
+                </a:tc>
+                <a:tc>
+                  <a:txBody>
+                    <a:bodyPr/>
+                    <a:lstStyle/>
+                    <a:p>
+                      <a:pPr>
+                        <a:defRPr sz="1200"/>
+                      </a:pPr>
+                      <a:r>
+                        <a:t>-59</a:t>
+                      </a:r>
+                    </a:p>
+                  </a:txBody>
+                  <a:tcPr/>
+                </a:tc>
+                <a:tc>
+                  <a:txBody>
+                    <a:bodyPr/>
+                    <a:lstStyle/>
+                    <a:p>
+                      <a:pPr>
+                        <a:defRPr sz="1200"/>
+                      </a:pPr>
+                      <a:r>
+                        <a:t>-65</a:t>
+                      </a:r>
+                    </a:p>
+                  </a:txBody>
+                  <a:tcPr/>
+                </a:tc>
+              </a:tr>
+              <a:tr h="0">
+                <a:tc>
+                  <a:txBody>
+                    <a:bodyPr/>
+                    <a:lstStyle/>
+                    <a:p>
+                      <a:pPr>
+                        <a:defRPr sz="1200"/>
+                      </a:pPr>
+                      <a:r>
+                        <a:t>10</a:t>
+                      </a:r>
+                    </a:p>
+                  </a:txBody>
+                  <a:tcPr/>
+                </a:tc>
+                <a:tc>
+                  <a:txBody>
+                    <a:bodyPr/>
+                    <a:lstStyle/>
+                    <a:p>
+                      <a:pPr>
+                        <a:defRPr sz="1200"/>
+                      </a:pPr>
+                      <a:r>
+                        <a:t>7249141800012</a:t>
+                      </a:r>
+                    </a:p>
+                  </a:txBody>
+                  <a:tcPr/>
+                </a:tc>
+                <a:tc>
+                  <a:txBody>
+                    <a:bodyPr/>
+                    <a:lstStyle/>
+                    <a:p>
+                      <a:pPr>
+                        <a:defRPr sz="1200"/>
+                      </a:pPr>
+                      <a:r>
+                        <a:t>PASS</a:t>
+                      </a:r>
+                    </a:p>
+                  </a:txBody>
+                  <a:tcPr/>
+                </a:tc>
+                <a:tc>
+                  <a:txBody>
+                    <a:bodyPr/>
+                    <a:lstStyle/>
+                    <a:p>
+                      <a:pPr>
+                        <a:defRPr sz="1200"/>
+                      </a:pPr>
+                      <a:r>
+                        <a:t>-60</a:t>
+                      </a:r>
+                    </a:p>
+                  </a:txBody>
+                  <a:tcPr/>
+                </a:tc>
+                <a:tc>
+                  <a:txBody>
+                    <a:bodyPr/>
+                    <a:lstStyle/>
+                    <a:p>
+                      <a:pPr>
+                        <a:defRPr sz="1200"/>
+                      </a:pPr>
+                      <a:r>
+                        <a:t>-65</a:t>
+                      </a:r>
+                    </a:p>
+                  </a:txBody>
+                  <a:tcPr/>
+                </a:tc>
+                <a:tc>
+                  <a:txBody>
+                    <a:bodyPr/>
+                    <a:lstStyle/>
+                    <a:p>
+                      <a:pPr>
+                        <a:defRPr sz="1200"/>
+                      </a:pPr>
+                      <a:r>
+                        <a:t>-65</a:t>
+                      </a:r>
+                    </a:p>
+                  </a:txBody>
+                  <a:tcPr/>
+                </a:tc>
+              </a:tr>
+              <a:tr h="0">
+                <a:tc>
+                  <a:txBody>
+                    <a:bodyPr/>
+                    <a:lstStyle/>
+                    <a:p>
+                      <a:pPr>
+                        <a:defRPr sz="1200"/>
+                      </a:pPr>
+                      <a:r>
+                        <a:t>11</a:t>
+                      </a:r>
+                    </a:p>
+                  </a:txBody>
+                  <a:tcPr/>
+                </a:tc>
+                <a:tc>
+                  <a:txBody>
+                    <a:bodyPr/>
+                    <a:lstStyle/>
+                    <a:p>
+                      <a:pPr>
+                        <a:defRPr sz="1200"/>
+                      </a:pPr>
+                      <a:r>
+                        <a:t>7249141800014</a:t>
+                      </a:r>
+                    </a:p>
+                  </a:txBody>
+                  <a:tcPr/>
+                </a:tc>
+                <a:tc>
+                  <a:txBody>
+                    <a:bodyPr/>
+                    <a:lstStyle/>
+                    <a:p>
+                      <a:pPr>
+                        <a:defRPr sz="1200"/>
+                      </a:pPr>
+                      <a:r>
+                        <a:t>PASS</a:t>
+                      </a:r>
+                    </a:p>
+                  </a:txBody>
+                  <a:tcPr/>
+                </a:tc>
+                <a:tc>
+                  <a:txBody>
+                    <a:bodyPr/>
+                    <a:lstStyle/>
+                    <a:p>
+                      <a:pPr>
+                        <a:defRPr sz="1200"/>
+                      </a:pPr>
+                      <a:r>
+                        <a:t>-54</a:t>
+                      </a:r>
+                    </a:p>
+                  </a:txBody>
+                  <a:tcPr/>
+                </a:tc>
+                <a:tc>
+                  <a:txBody>
+                    <a:bodyPr/>
+                    <a:lstStyle/>
+                    <a:p>
+                      <a:pPr>
+                        <a:defRPr sz="1200"/>
+                      </a:pPr>
+                      <a:r>
+                        <a:t>-59</a:t>
+                      </a:r>
+                    </a:p>
+                  </a:txBody>
+                  <a:tcPr/>
+                </a:tc>
+                <a:tc>
+                  <a:txBody>
+                    <a:bodyPr/>
+                    <a:lstStyle/>
+                    <a:p>
+                      <a:pPr>
+                        <a:defRPr sz="1200"/>
+                      </a:pPr>
+                      <a:r>
+                        <a:t>-65</a:t>
+                      </a:r>
+                    </a:p>
+                  </a:txBody>
+                  <a:tcPr/>
+                </a:tc>
+              </a:tr>
+              <a:tr h="0">
+                <a:tc>
+                  <a:txBody>
+                    <a:bodyPr/>
+                    <a:lstStyle/>
+                    <a:p>
+                      <a:pPr>
+                        <a:defRPr sz="1200"/>
+                      </a:pPr>
+                      <a:r>
+                        <a:t>12</a:t>
+                      </a:r>
+                    </a:p>
+                  </a:txBody>
+                  <a:tcPr/>
+                </a:tc>
+                <a:tc>
+                  <a:txBody>
+                    <a:bodyPr/>
+                    <a:lstStyle/>
+                    <a:p>
+                      <a:pPr>
+                        <a:defRPr sz="1200"/>
+                      </a:pPr>
+                      <a:r>
+                        <a:t>7249141800017</a:t>
+                      </a:r>
+                    </a:p>
+                  </a:txBody>
+                  <a:tcPr/>
+                </a:tc>
+                <a:tc>
+                  <a:txBody>
+                    <a:bodyPr/>
+                    <a:lstStyle/>
+                    <a:p>
+                      <a:pPr>
+                        <a:defRPr sz="1200"/>
+                      </a:pPr>
+                      <a:r>
+                        <a:t>PASS</a:t>
+                      </a:r>
+                    </a:p>
+                  </a:txBody>
+                  <a:tcPr/>
+                </a:tc>
+                <a:tc>
+                  <a:txBody>
+                    <a:bodyPr/>
+                    <a:lstStyle/>
+                    <a:p>
+                      <a:pPr>
+                        <a:defRPr sz="1200"/>
+                      </a:pPr>
+                      <a:r>
+                        <a:t>-55</a:t>
+                      </a:r>
+                    </a:p>
+                  </a:txBody>
+                  <a:tcPr/>
+                </a:tc>
+                <a:tc>
+                  <a:txBody>
+                    <a:bodyPr/>
+                    <a:lstStyle/>
+                    <a:p>
+                      <a:pPr>
+                        <a:defRPr sz="1200"/>
+                      </a:pPr>
+                      <a:r>
+                        <a:t>-57</a:t>
+                      </a:r>
+                    </a:p>
+                  </a:txBody>
+                  <a:tcPr/>
+                </a:tc>
+                <a:tc>
+                  <a:txBody>
+                    <a:bodyPr/>
+                    <a:lstStyle/>
+                    <a:p>
+                      <a:pPr>
+                        <a:defRPr sz="1200"/>
+                      </a:pPr>
+                      <a:r>
+                        <a:t>-65</a:t>
+                      </a:r>
+                    </a:p>
+                  </a:txBody>
+                  <a:tcPr/>
+                </a:tc>
+              </a:tr>
+              <a:tr h="0">
+                <a:tc>
+                  <a:txBody>
+                    <a:bodyPr/>
+                    <a:lstStyle/>
+                    <a:p>
+                      <a:pPr>
+                        <a:defRPr sz="1200"/>
+                      </a:pPr>
+                      <a:r>
+                        <a:t>13</a:t>
+                      </a:r>
+                    </a:p>
+                  </a:txBody>
+                  <a:tcPr/>
+                </a:tc>
+                <a:tc>
+                  <a:txBody>
+                    <a:bodyPr/>
+                    <a:lstStyle/>
+                    <a:p>
+                      <a:pPr>
+                        <a:defRPr sz="1200"/>
+                      </a:pPr>
+                      <a:r>
+                        <a:t>7249141800018</a:t>
+                      </a:r>
+                    </a:p>
+                  </a:txBody>
+                  <a:tcPr/>
+                </a:tc>
+                <a:tc>
+                  <a:txBody>
+                    <a:bodyPr/>
+                    <a:lstStyle/>
+                    <a:p>
+                      <a:pPr>
+                        <a:defRPr sz="1200"/>
+                      </a:pPr>
+                      <a:r>
+                        <a:t>PASS</a:t>
+                      </a:r>
+                    </a:p>
+                  </a:txBody>
+                  <a:tcPr/>
+                </a:tc>
+                <a:tc>
+                  <a:txBody>
+                    <a:bodyPr/>
+                    <a:lstStyle/>
+                    <a:p>
+                      <a:pPr>
+                        <a:defRPr sz="1200"/>
+                      </a:pPr>
+                      <a:r>
+                        <a:t>-64</a:t>
+                      </a:r>
+                    </a:p>
+                  </a:txBody>
+                  <a:tcPr/>
+                </a:tc>
+                <a:tc>
+                  <a:txBody>
+                    <a:bodyPr/>
+                    <a:lstStyle/>
+                    <a:p>
+                      <a:pPr>
+                        <a:defRPr sz="1200"/>
+                      </a:pPr>
+                      <a:r>
+                        <a:t>-55</a:t>
+                      </a:r>
+                    </a:p>
+                  </a:txBody>
+                  <a:tcPr/>
+                </a:tc>
+                <a:tc>
+                  <a:txBody>
+                    <a:bodyPr/>
+                    <a:lstStyle/>
+                    <a:p>
+                      <a:pPr>
+                        <a:defRPr sz="1200"/>
+                      </a:pPr>
+                      <a:r>
+                        <a:t>-65</a:t>
+                      </a:r>
+                    </a:p>
+                  </a:txBody>
+                  <a:tcPr/>
+                </a:tc>
+              </a:tr>
+              <a:tr h="0">
+                <a:tc>
+                  <a:txBody>
+                    <a:bodyPr/>
+                    <a:lstStyle/>
+                    <a:p>
+                      <a:pPr>
+                        <a:defRPr sz="1200"/>
+                      </a:pPr>
+                      <a:r>
+                        <a:t>14</a:t>
+                      </a:r>
+                    </a:p>
+                  </a:txBody>
+                  <a:tcPr/>
+                </a:tc>
+                <a:tc>
+                  <a:txBody>
+                    <a:bodyPr/>
+                    <a:lstStyle/>
+                    <a:p>
+                      <a:pPr>
+                        <a:defRPr sz="1200"/>
+                      </a:pPr>
+                      <a:r>
+                        <a:t>7249141800020</a:t>
+                      </a:r>
+                    </a:p>
+                  </a:txBody>
+                  <a:tcPr/>
+                </a:tc>
+                <a:tc>
+                  <a:txBody>
+                    <a:bodyPr/>
+                    <a:lstStyle/>
+                    <a:p>
+                      <a:pPr>
+                        <a:defRPr sz="1200"/>
+                      </a:pPr>
+                      <a:r>
+                        <a:t>PASS</a:t>
+                      </a:r>
+                    </a:p>
+                  </a:txBody>
+                  <a:tcPr/>
+                </a:tc>
+                <a:tc>
+                  <a:txBody>
+                    <a:bodyPr/>
+                    <a:lstStyle/>
+                    <a:p>
+                      <a:pPr>
+                        <a:defRPr sz="1200"/>
+                      </a:pPr>
+                      <a:r>
+                        <a:t>-54</a:t>
+                      </a:r>
+                    </a:p>
+                  </a:txBody>
+                  <a:tcPr/>
+                </a:tc>
+                <a:tc>
+                  <a:txBody>
+                    <a:bodyPr/>
+                    <a:lstStyle/>
+                    <a:p>
+                      <a:pPr>
+                        <a:defRPr sz="1200"/>
+                      </a:pPr>
+                      <a:r>
+                        <a:t>-60</a:t>
+                      </a:r>
+                    </a:p>
+                  </a:txBody>
+                  <a:tcPr/>
+                </a:tc>
+                <a:tc>
+                  <a:txBody>
+                    <a:bodyPr/>
+                    <a:lstStyle/>
+                    <a:p>
+                      <a:pPr>
+                        <a:defRPr sz="1200"/>
+                      </a:pPr>
+                      <a:r>
+                        <a:t>-65</a:t>
+                      </a:r>
+                    </a:p>
+                  </a:txBody>
+                  <a:tcPr/>
+                </a:tc>
+              </a:tr>
+              <a:tr h="0">
+                <a:tc>
+                  <a:txBody>
+                    <a:bodyPr/>
+                    <a:lstStyle/>
+                    <a:p>
+                      <a:pPr>
+                        <a:defRPr sz="1200"/>
+                      </a:pPr>
+                      <a:r>
+                        <a:t>15</a:t>
+                      </a:r>
+                    </a:p>
+                  </a:txBody>
+                  <a:tcPr/>
+                </a:tc>
+                <a:tc>
+                  <a:txBody>
+                    <a:bodyPr/>
+                    <a:lstStyle/>
+                    <a:p>
+                      <a:pPr>
+                        <a:defRPr sz="1200"/>
+                      </a:pPr>
+                      <a:r>
+                        <a:t>7249141800021</a:t>
+                      </a:r>
+                    </a:p>
+                  </a:txBody>
+                  <a:tcPr/>
+                </a:tc>
+                <a:tc>
+                  <a:txBody>
+                    <a:bodyPr/>
+                    <a:lstStyle/>
+                    <a:p>
+                      <a:pPr>
+                        <a:defRPr sz="1200"/>
+                      </a:pPr>
+                      <a:r>
+                        <a:t>PASS</a:t>
+                      </a:r>
+                    </a:p>
+                  </a:txBody>
+                  <a:tcPr/>
+                </a:tc>
+                <a:tc>
+                  <a:txBody>
+                    <a:bodyPr/>
+                    <a:lstStyle/>
+                    <a:p>
+                      <a:pPr>
+                        <a:defRPr sz="1200"/>
+                      </a:pPr>
+                      <a:r>
+                        <a:t>-62</a:t>
+                      </a:r>
+                    </a:p>
+                  </a:txBody>
+                  <a:tcPr/>
+                </a:tc>
+                <a:tc>
+                  <a:txBody>
+                    <a:bodyPr/>
+                    <a:lstStyle/>
+                    <a:p>
+                      <a:pPr>
+                        <a:defRPr sz="1200"/>
+                      </a:pPr>
+                      <a:r>
+                        <a:t>-63</a:t>
+                      </a:r>
+                    </a:p>
+                  </a:txBody>
+                  <a:tcPr/>
+                </a:tc>
+                <a:tc>
+                  <a:txBody>
+                    <a:bodyPr/>
+                    <a:lstStyle/>
+                    <a:p>
+                      <a:pPr>
+                        <a:defRPr sz="1200"/>
+                      </a:pPr>
+                      <a:r>
+                        <a:t>-65</a:t>
+                      </a:r>
+                    </a:p>
+                  </a:txBody>
+                  <a:tcPr/>
+                </a:tc>
+              </a:tr>
+              <a:tr h="0">
+                <a:tc>
+                  <a:txBody>
+                    <a:bodyPr/>
+                    <a:lstStyle/>
+                    <a:p>
+                      <a:pPr>
+                        <a:defRPr sz="1200"/>
+                      </a:pPr>
+                      <a:r>
+                        <a:t>16</a:t>
+                      </a:r>
+                    </a:p>
+                  </a:txBody>
+                  <a:tcPr/>
+                </a:tc>
+                <a:tc>
+                  <a:txBody>
+                    <a:bodyPr/>
+                    <a:lstStyle/>
+                    <a:p>
+                      <a:pPr>
+                        <a:defRPr sz="1200"/>
+                      </a:pPr>
+                      <a:r>
+                        <a:t>7249141800023</a:t>
+                      </a:r>
+                    </a:p>
+                  </a:txBody>
+                  <a:tcPr/>
+                </a:tc>
+                <a:tc>
+                  <a:txBody>
+                    <a:bodyPr/>
+                    <a:lstStyle/>
+                    <a:p>
+                      <a:pPr>
+                        <a:defRPr sz="1200"/>
+                      </a:pPr>
+                      <a:r>
+                        <a:t>PASS</a:t>
+                      </a:r>
+                    </a:p>
+                  </a:txBody>
+                  <a:tcPr/>
+                </a:tc>
+                <a:tc>
+                  <a:txBody>
+                    <a:bodyPr/>
+                    <a:lstStyle/>
+                    <a:p>
+                      <a:pPr>
+                        <a:defRPr sz="1200"/>
+                      </a:pPr>
+                      <a:r>
+                        <a:t>-55</a:t>
+                      </a:r>
+                    </a:p>
+                  </a:txBody>
+                  <a:tcPr/>
+                </a:tc>
+                <a:tc>
+                  <a:txBody>
+                    <a:bodyPr/>
+                    <a:lstStyle/>
+                    <a:p>
+                      <a:pPr>
+                        <a:defRPr sz="1200"/>
+                      </a:pPr>
+                      <a:r>
+                        <a:t>-60</a:t>
+                      </a:r>
+                    </a:p>
+                  </a:txBody>
+                  <a:tcPr/>
+                </a:tc>
+                <a:tc>
+                  <a:txBody>
+                    <a:bodyPr/>
+                    <a:lstStyle/>
+                    <a:p>
+                      <a:pPr>
+                        <a:defRPr sz="1200"/>
+                      </a:pPr>
+                      <a:r>
+                        <a:t>-65</a:t>
+                      </a:r>
+                    </a:p>
+                  </a:txBody>
+                  <a:tcPr/>
+                </a:tc>
+              </a:tr>
+              <a:tr h="0">
+                <a:tc>
+                  <a:txBody>
+                    <a:bodyPr/>
+                    <a:lstStyle/>
+                    <a:p>
+                      <a:pPr>
+                        <a:defRPr sz="1200"/>
+                      </a:pPr>
+                      <a:r>
+                        <a:t>17</a:t>
+                      </a:r>
+                    </a:p>
+                  </a:txBody>
+                  <a:tcPr/>
+                </a:tc>
+                <a:tc>
+                  <a:txBody>
+                    <a:bodyPr/>
+                    <a:lstStyle/>
+                    <a:p>
+                      <a:pPr>
+                        <a:defRPr sz="1200"/>
+                      </a:pPr>
+                      <a:r>
+                        <a:t>7249141800024</a:t>
+                      </a:r>
+                    </a:p>
+                  </a:txBody>
+                  <a:tcPr/>
+                </a:tc>
+                <a:tc>
+                  <a:txBody>
+                    <a:bodyPr/>
+                    <a:lstStyle/>
+                    <a:p>
+                      <a:pPr>
+                        <a:defRPr sz="1200"/>
+                      </a:pPr>
+                      <a:r>
+                        <a:t>PASS</a:t>
+                      </a:r>
+                    </a:p>
+                  </a:txBody>
+                  <a:tcPr/>
+                </a:tc>
+                <a:tc>
+                  <a:txBody>
+                    <a:bodyPr/>
+                    <a:lstStyle/>
+                    <a:p>
+                      <a:pPr>
+                        <a:defRPr sz="1200"/>
+                      </a:pPr>
+                      <a:r>
+                        <a:t>-54</a:t>
+                      </a:r>
+                    </a:p>
+                  </a:txBody>
+                  <a:tcPr/>
+                </a:tc>
+                <a:tc>
+                  <a:txBody>
+                    <a:bodyPr/>
+                    <a:lstStyle/>
+                    <a:p>
+                      <a:pPr>
+                        <a:defRPr sz="1200"/>
+                      </a:pPr>
+                      <a:r>
+                        <a:t>-52</a:t>
+                      </a:r>
+                    </a:p>
+                  </a:txBody>
+                  <a:tcPr/>
+                </a:tc>
+                <a:tc>
+                  <a:txBody>
+                    <a:bodyPr/>
+                    <a:lstStyle/>
+                    <a:p>
+                      <a:pPr>
+                        <a:defRPr sz="1200"/>
+                      </a:pPr>
+                      <a:r>
+                        <a:t>-65</a:t>
+                      </a:r>
+                    </a:p>
+                  </a:txBody>
+                  <a:tcPr/>
+                </a:tc>
+              </a:tr>
+              <a:tr h="0">
+                <a:tc>
+                  <a:txBody>
+                    <a:bodyPr/>
+                    <a:lstStyle/>
+                    <a:p>
+                      <a:pPr>
+                        <a:defRPr sz="1200"/>
+                      </a:pPr>
+                      <a:r>
+                        <a:t>18</a:t>
+                      </a:r>
+                    </a:p>
+                  </a:txBody>
+                  <a:tcPr/>
+                </a:tc>
+                <a:tc>
+                  <a:txBody>
+                    <a:bodyPr/>
+                    <a:lstStyle/>
+                    <a:p>
+                      <a:pPr>
+                        <a:defRPr sz="1200"/>
+                      </a:pPr>
+                      <a:r>
+                        <a:t>7249141800028</a:t>
+                      </a:r>
+                    </a:p>
+                  </a:txBody>
+                  <a:tcPr/>
+                </a:tc>
+                <a:tc>
+                  <a:txBody>
+                    <a:bodyPr/>
+                    <a:lstStyle/>
+                    <a:p>
+                      <a:pPr>
+                        <a:defRPr sz="1200"/>
+                      </a:pPr>
+                      <a:r>
+                        <a:t>PASS</a:t>
+                      </a:r>
+                    </a:p>
+                  </a:txBody>
+                  <a:tcPr/>
+                </a:tc>
+                <a:tc>
+                  <a:txBody>
+                    <a:bodyPr/>
+                    <a:lstStyle/>
+                    <a:p>
+                      <a:pPr>
+                        <a:defRPr sz="1200"/>
+                      </a:pPr>
+                      <a:r>
+                        <a:t>-48</a:t>
+                      </a:r>
+                    </a:p>
+                  </a:txBody>
+                  <a:tcPr/>
+                </a:tc>
+                <a:tc>
+                  <a:txBody>
+                    <a:bodyPr/>
+                    <a:lstStyle/>
+                    <a:p>
+                      <a:pPr>
+                        <a:defRPr sz="1200"/>
+                      </a:pPr>
+                      <a:r>
+                        <a:t>-54</a:t>
+                      </a:r>
+                    </a:p>
+                  </a:txBody>
+                  <a:tcPr/>
+                </a:tc>
+                <a:tc>
+                  <a:txBody>
+                    <a:bodyPr/>
+                    <a:lstStyle/>
+                    <a:p>
+                      <a:pPr>
+                        <a:defRPr sz="1200"/>
+                      </a:pPr>
+                      <a:r>
+                        <a:t>-65</a:t>
+                      </a:r>
+                    </a:p>
+                  </a:txBody>
+                  <a:tcPr/>
+                </a:tc>
+              </a:tr>
+              <a:tr h="0">
+                <a:tc>
+                  <a:txBody>
+                    <a:bodyPr/>
+                    <a:lstStyle/>
+                    <a:p>
+                      <a:pPr>
+                        <a:defRPr sz="1200"/>
+                      </a:pPr>
+                      <a:r>
+                        <a:t>19</a:t>
+                      </a:r>
+                    </a:p>
+                  </a:txBody>
+                  <a:tcPr/>
+                </a:tc>
+                <a:tc>
+                  <a:txBody>
+                    <a:bodyPr/>
+                    <a:lstStyle/>
+                    <a:p>
+                      <a:pPr>
+                        <a:defRPr sz="1200"/>
+                      </a:pPr>
+                      <a:r>
+                        <a:t>7249141800029</a:t>
+                      </a:r>
+                    </a:p>
+                  </a:txBody>
+                  <a:tcPr/>
+                </a:tc>
+                <a:tc>
+                  <a:txBody>
+                    <a:bodyPr/>
+                    <a:lstStyle/>
+                    <a:p>
+                      <a:pPr>
+                        <a:defRPr sz="1200"/>
+                      </a:pPr>
+                      <a:r>
+                        <a:t>PASS</a:t>
+                      </a:r>
+                    </a:p>
+                  </a:txBody>
+                  <a:tcPr/>
+                </a:tc>
+                <a:tc>
+                  <a:txBody>
+                    <a:bodyPr/>
+                    <a:lstStyle/>
+                    <a:p>
+                      <a:pPr>
+                        <a:defRPr sz="1200"/>
+                      </a:pPr>
+                      <a:r>
+                        <a:t>-65</a:t>
+                      </a:r>
+                    </a:p>
+                  </a:txBody>
+                  <a:tcPr/>
+                </a:tc>
+                <a:tc>
+                  <a:txBody>
+                    <a:bodyPr/>
+                    <a:lstStyle/>
+                    <a:p>
+                      <a:pPr>
+                        <a:defRPr sz="1200"/>
+                      </a:pPr>
+                      <a:r>
+                        <a:t>-63</a:t>
+                      </a:r>
+                    </a:p>
+                  </a:txBody>
+                  <a:tcPr/>
+                </a:tc>
+                <a:tc>
+                  <a:txBody>
+                    <a:bodyPr/>
+                    <a:lstStyle/>
+                    <a:p>
+                      <a:pPr>
+                        <a:defRPr sz="1200"/>
+                      </a:pPr>
+                      <a:r>
+                        <a:t>-65</a:t>
+                      </a:r>
+                    </a:p>
+                  </a:txBody>
+                  <a:tcPr/>
+                </a:tc>
+              </a:tr>
+              <a:tr h="0">
+                <a:tc>
+                  <a:txBody>
+                    <a:bodyPr/>
+                    <a:lstStyle/>
+                    <a:p>
+                      <a:pPr>
+                        <a:defRPr sz="1200"/>
+                      </a:pPr>
+                      <a:r>
+                        <a:t>20</a:t>
+                      </a:r>
+                    </a:p>
+                  </a:txBody>
+                  <a:tcPr/>
+                </a:tc>
+                <a:tc>
+                  <a:txBody>
+                    <a:bodyPr/>
+                    <a:lstStyle/>
+                    <a:p>
+                      <a:pPr>
+                        <a:defRPr sz="1200"/>
+                      </a:pPr>
+                      <a:r>
+                        <a:t>7249141800031</a:t>
+                      </a:r>
+                    </a:p>
+                  </a:txBody>
+                  <a:tcPr/>
+                </a:tc>
+                <a:tc>
+                  <a:txBody>
+                    <a:bodyPr/>
+                    <a:lstStyle/>
+                    <a:p>
+                      <a:pPr>
+                        <a:defRPr sz="1200"/>
+                      </a:pPr>
+                      <a:r>
+                        <a:t>PASS</a:t>
+                      </a:r>
+                    </a:p>
+                  </a:txBody>
+                  <a:tcPr/>
+                </a:tc>
+                <a:tc>
+                  <a:txBody>
+                    <a:bodyPr/>
+                    <a:lstStyle/>
+                    <a:p>
+                      <a:pPr>
+                        <a:defRPr sz="1200"/>
+                      </a:pPr>
+                      <a:r>
+                        <a:t>-64</a:t>
+                      </a:r>
+                    </a:p>
+                  </a:txBody>
+                  <a:tcPr/>
+                </a:tc>
+                <a:tc>
+                  <a:txBody>
+                    <a:bodyPr/>
+                    <a:lstStyle/>
+                    <a:p>
+                      <a:pPr>
+                        <a:defRPr sz="1200"/>
+                      </a:pPr>
+                      <a:r>
+                        <a:t>-52</a:t>
+                      </a:r>
+                    </a:p>
+                  </a:txBody>
+                  <a:tcPr/>
+                </a:tc>
+                <a:tc>
+                  <a:txBody>
+                    <a:bodyPr/>
+                    <a:lstStyle/>
+                    <a:p>
+                      <a:pPr>
+                        <a:defRPr sz="1200"/>
+                      </a:pPr>
+                      <a:r>
+                        <a:t>-65</a:t>
+                      </a:r>
+                    </a:p>
+                  </a:txBody>
+                  <a:tcPr/>
+                </a:tc>
+              </a:tr>
+              <a:tr h="0">
+                <a:tc>
+                  <a:txBody>
+                    <a:bodyPr/>
+                    <a:lstStyle/>
+                    <a:p>
+                      <a:pPr>
+                        <a:defRPr sz="1200"/>
+                      </a:pPr>
+                      <a:r>
+                        <a:t>21</a:t>
+                      </a:r>
+                    </a:p>
+                  </a:txBody>
+                  <a:tcPr/>
+                </a:tc>
+                <a:tc>
+                  <a:txBody>
+                    <a:bodyPr/>
+                    <a:lstStyle/>
+                    <a:p>
+                      <a:pPr>
+                        <a:defRPr sz="1200"/>
+                      </a:pPr>
+                      <a:r>
+                        <a:t>7249141800033</a:t>
+                      </a:r>
+                    </a:p>
+                  </a:txBody>
+                  <a:tcPr/>
+                </a:tc>
+                <a:tc>
+                  <a:txBody>
+                    <a:bodyPr/>
+                    <a:lstStyle/>
+                    <a:p>
+                      <a:pPr>
+                        <a:defRPr sz="1200"/>
+                      </a:pPr>
+                      <a:r>
+                        <a:t>PASS</a:t>
+                      </a:r>
+                    </a:p>
+                  </a:txBody>
+                  <a:tcPr/>
+                </a:tc>
+                <a:tc>
+                  <a:txBody>
+                    <a:bodyPr/>
+                    <a:lstStyle/>
+                    <a:p>
+                      <a:pPr>
+                        <a:defRPr sz="1200"/>
+                      </a:pPr>
+                      <a:r>
+                        <a:t>-59</a:t>
+                      </a:r>
+                    </a:p>
+                  </a:txBody>
+                  <a:tcPr/>
+                </a:tc>
+                <a:tc>
+                  <a:txBody>
+                    <a:bodyPr/>
+                    <a:lstStyle/>
+                    <a:p>
+                      <a:pPr>
+                        <a:defRPr sz="1200"/>
+                      </a:pPr>
+                      <a:r>
+                        <a:t>-59</a:t>
+                      </a:r>
+                    </a:p>
+                  </a:txBody>
+                  <a:tcPr/>
+                </a:tc>
+                <a:tc>
+                  <a:txBody>
+                    <a:bodyPr/>
+                    <a:lstStyle/>
+                    <a:p>
+                      <a:pPr>
+                        <a:defRPr sz="1200"/>
+                      </a:pPr>
+                      <a:r>
+                        <a:t>-65</a:t>
+                      </a:r>
+                    </a:p>
+                  </a:txBody>
+                  <a:tcPr/>
+                </a:tc>
+              </a:tr>
+              <a:tr h="0">
+                <a:tc>
+                  <a:txBody>
+                    <a:bodyPr/>
+                    <a:lstStyle/>
+                    <a:p>
+                      <a:pPr>
+                        <a:defRPr sz="1200"/>
+                      </a:pPr>
+                      <a:r>
+                        <a:t>22</a:t>
+                      </a:r>
+                    </a:p>
+                  </a:txBody>
+                  <a:tcPr/>
+                </a:tc>
+                <a:tc>
+                  <a:txBody>
+                    <a:bodyPr/>
+                    <a:lstStyle/>
+                    <a:p>
+                      <a:pPr>
+                        <a:defRPr sz="1200"/>
+                      </a:pPr>
+                      <a:r>
+                        <a:t>7249141800036</a:t>
+                      </a:r>
+                    </a:p>
+                  </a:txBody>
+                  <a:tcPr/>
+                </a:tc>
+                <a:tc>
+                  <a:txBody>
+                    <a:bodyPr/>
+                    <a:lstStyle/>
+                    <a:p>
+                      <a:pPr>
+                        <a:defRPr sz="1200"/>
+                      </a:pPr>
+                      <a:r>
+                        <a:t>PASS</a:t>
+                      </a:r>
+                    </a:p>
+                  </a:txBody>
+                  <a:tcPr/>
+                </a:tc>
+                <a:tc>
+                  <a:txBody>
+                    <a:bodyPr/>
+                    <a:lstStyle/>
+                    <a:p>
+                      <a:pPr>
+                        <a:defRPr sz="1200"/>
+                      </a:pPr>
+                      <a:r>
+                        <a:t>-58</a:t>
+                      </a:r>
+                    </a:p>
+                  </a:txBody>
+                  <a:tcPr/>
+                </a:tc>
+                <a:tc>
+                  <a:txBody>
+                    <a:bodyPr/>
+                    <a:lstStyle/>
+                    <a:p>
+                      <a:pPr>
+                        <a:defRPr sz="1200"/>
+                      </a:pPr>
+                      <a:r>
+                        <a:t>-64</a:t>
+                      </a:r>
+                    </a:p>
+                  </a:txBody>
+                  <a:tcPr/>
+                </a:tc>
+                <a:tc>
+                  <a:txBody>
+                    <a:bodyPr/>
+                    <a:lstStyle/>
+                    <a:p>
+                      <a:pPr>
+                        <a:defRPr sz="1200"/>
+                      </a:pPr>
+                      <a:r>
+                        <a:t>-65</a:t>
+                      </a:r>
+                    </a:p>
+                  </a:txBody>
+                  <a:tcPr/>
+                </a:tc>
+              </a:tr>
+              <a:tr h="0">
+                <a:tc>
+                  <a:txBody>
+                    <a:bodyPr/>
+                    <a:lstStyle/>
+                    <a:p>
+                      <a:pPr>
+                        <a:defRPr sz="1200"/>
+                      </a:pPr>
+                      <a:r>
+                        <a:t>23</a:t>
+                      </a:r>
+                    </a:p>
+                  </a:txBody>
+                  <a:tcPr/>
+                </a:tc>
+                <a:tc>
+                  <a:txBody>
+                    <a:bodyPr/>
+                    <a:lstStyle/>
+                    <a:p>
+                      <a:pPr>
+                        <a:defRPr sz="1200"/>
+                      </a:pPr>
+                      <a:r>
+                        <a:t>7249141800037</a:t>
+                      </a:r>
+                    </a:p>
+                  </a:txBody>
+                  <a:tcPr/>
+                </a:tc>
+                <a:tc>
+                  <a:txBody>
+                    <a:bodyPr/>
+                    <a:lstStyle/>
+                    <a:p>
+                      <a:pPr>
+                        <a:defRPr sz="1200"/>
+                      </a:pPr>
+                      <a:r>
+                        <a:t>PASS</a:t>
+                      </a:r>
+                    </a:p>
+                  </a:txBody>
+                  <a:tcPr/>
+                </a:tc>
+                <a:tc>
+                  <a:txBody>
+                    <a:bodyPr/>
+                    <a:lstStyle/>
+                    <a:p>
+                      <a:pPr>
+                        <a:defRPr sz="1200"/>
+                      </a:pPr>
+                      <a:r>
+                        <a:t>-43</a:t>
+                      </a:r>
+                    </a:p>
+                  </a:txBody>
+                  <a:tcPr/>
+                </a:tc>
+                <a:tc>
+                  <a:txBody>
+                    <a:bodyPr/>
+                    <a:lstStyle/>
+                    <a:p>
+                      <a:pPr>
+                        <a:defRPr sz="1200"/>
+                      </a:pPr>
+                      <a:r>
+                        <a:t>-46</a:t>
+                      </a:r>
+                    </a:p>
+                  </a:txBody>
+                  <a:tcPr/>
+                </a:tc>
+                <a:tc>
+                  <a:txBody>
+                    <a:bodyPr/>
+                    <a:lstStyle/>
+                    <a:p>
+                      <a:pPr>
+                        <a:defRPr sz="1200"/>
+                      </a:pPr>
+                      <a:r>
+                        <a:t>-65</a:t>
+                      </a:r>
+                    </a:p>
+                  </a:txBody>
+                  <a:tcPr/>
+                </a:tc>
+              </a:tr>
+              <a:tr h="0">
+                <a:tc>
+                  <a:txBody>
+                    <a:bodyPr/>
+                    <a:lstStyle/>
+                    <a:p>
+                      <a:pPr>
+                        <a:defRPr sz="1200"/>
+                      </a:pPr>
+                      <a:r>
+                        <a:t>24</a:t>
+                      </a:r>
+                    </a:p>
+                  </a:txBody>
+                  <a:tcPr/>
+                </a:tc>
+                <a:tc>
+                  <a:txBody>
+                    <a:bodyPr/>
+                    <a:lstStyle/>
+                    <a:p>
+                      <a:pPr>
+                        <a:defRPr sz="1200"/>
+                      </a:pPr>
+                      <a:r>
+                        <a:t>7249141800038</a:t>
+                      </a:r>
+                    </a:p>
+                  </a:txBody>
+                  <a:tcPr/>
+                </a:tc>
+                <a:tc>
+                  <a:txBody>
+                    <a:bodyPr/>
+                    <a:lstStyle/>
+                    <a:p>
+                      <a:pPr>
+                        <a:defRPr sz="1200"/>
+                      </a:pPr>
+                      <a:r>
+                        <a:t>PASS</a:t>
+                      </a:r>
+                    </a:p>
+                  </a:txBody>
+                  <a:tcPr/>
+                </a:tc>
+                <a:tc>
+                  <a:txBody>
+                    <a:bodyPr/>
+                    <a:lstStyle/>
+                    <a:p>
+                      <a:pPr>
+                        <a:defRPr sz="1200"/>
+                      </a:pPr>
+                      <a:r>
+                        <a:t>-54</a:t>
+                      </a:r>
+                    </a:p>
+                  </a:txBody>
+                  <a:tcPr/>
+                </a:tc>
+                <a:tc>
+                  <a:txBody>
+                    <a:bodyPr/>
+                    <a:lstStyle/>
+                    <a:p>
+                      <a:pPr>
+                        <a:defRPr sz="1200"/>
+                      </a:pPr>
+                      <a:r>
+                        <a:t>-49</a:t>
+                      </a:r>
+                    </a:p>
+                  </a:txBody>
+                  <a:tcPr/>
+                </a:tc>
+                <a:tc>
+                  <a:txBody>
+                    <a:bodyPr/>
+                    <a:lstStyle/>
+                    <a:p>
+                      <a:pPr>
+                        <a:defRPr sz="1200"/>
+                      </a:pPr>
+                      <a:r>
+                        <a:t>-65</a:t>
+                      </a:r>
+                    </a:p>
+                  </a:txBody>
+                  <a:tcPr/>
+                </a:tc>
+              </a:tr>
+              <a:tr h="0">
+                <a:tc>
+                  <a:txBody>
+                    <a:bodyPr/>
+                    <a:lstStyle/>
+                    <a:p>
+                      <a:pPr>
+                        <a:defRPr sz="1200"/>
+                      </a:pPr>
+                      <a:r>
+                        <a:t>25</a:t>
+                      </a:r>
+                    </a:p>
+                  </a:txBody>
+                  <a:tcPr/>
+                </a:tc>
+                <a:tc>
+                  <a:txBody>
+                    <a:bodyPr/>
+                    <a:lstStyle/>
+                    <a:p>
+                      <a:pPr>
+                        <a:defRPr sz="1200"/>
+                      </a:pPr>
+                      <a:r>
+                        <a:t>7249141800042</a:t>
+                      </a:r>
+                    </a:p>
+                  </a:txBody>
+                  <a:tcPr/>
+                </a:tc>
+                <a:tc>
+                  <a:txBody>
+                    <a:bodyPr/>
+                    <a:lstStyle/>
+                    <a:p>
+                      <a:pPr>
+                        <a:defRPr sz="1200"/>
+                      </a:pPr>
+                      <a:r>
+                        <a:t>PASS</a:t>
+                      </a:r>
+                    </a:p>
+                  </a:txBody>
+                  <a:tcPr/>
+                </a:tc>
+                <a:tc>
+                  <a:txBody>
+                    <a:bodyPr/>
+                    <a:lstStyle/>
+                    <a:p>
+                      <a:pPr>
+                        <a:defRPr sz="1200"/>
+                      </a:pPr>
+                      <a:r>
+                        <a:t>-54</a:t>
+                      </a:r>
+                    </a:p>
+                  </a:txBody>
+                  <a:tcPr/>
+                </a:tc>
+                <a:tc>
+                  <a:txBody>
+                    <a:bodyPr/>
+                    <a:lstStyle/>
+                    <a:p>
+                      <a:pPr>
+                        <a:defRPr sz="1200"/>
+                      </a:pPr>
+                      <a:r>
+                        <a:t>-62</a:t>
+                      </a:r>
+                    </a:p>
+                  </a:txBody>
+                  <a:tcPr/>
+                </a:tc>
+                <a:tc>
+                  <a:txBody>
+                    <a:bodyPr/>
+                    <a:lstStyle/>
+                    <a:p>
+                      <a:pPr>
+                        <a:defRPr sz="1200"/>
+                      </a:pPr>
+                      <a:r>
+                        <a:t>-65</a:t>
+                      </a:r>
+                    </a:p>
+                  </a:txBody>
+                  <a:tcPr/>
+                </a:tc>
+              </a:tr>
+              <a:tr h="0">
+                <a:tc>
+                  <a:txBody>
+                    <a:bodyPr/>
+                    <a:lstStyle/>
+                    <a:p>
+                      <a:pPr>
+                        <a:defRPr sz="1200"/>
+                      </a:pPr>
+                      <a:r>
+                        <a:t>26</a:t>
+                      </a:r>
+                    </a:p>
+                  </a:txBody>
+                  <a:tcPr/>
+                </a:tc>
+                <a:tc>
+                  <a:txBody>
+                    <a:bodyPr/>
+                    <a:lstStyle/>
+                    <a:p>
+                      <a:pPr>
+                        <a:defRPr sz="1200"/>
+                      </a:pPr>
+                      <a:r>
+                        <a:t>7249141800044</a:t>
+                      </a:r>
+                    </a:p>
+                  </a:txBody>
+                  <a:tcPr/>
+                </a:tc>
+                <a:tc>
+                  <a:txBody>
+                    <a:bodyPr/>
+                    <a:lstStyle/>
+                    <a:p>
+                      <a:pPr>
+                        <a:defRPr sz="1200"/>
+                      </a:pPr>
+                      <a:r>
+                        <a:t>PASS</a:t>
+                      </a:r>
+                    </a:p>
+                  </a:txBody>
+                  <a:tcPr/>
+                </a:tc>
+                <a:tc>
+                  <a:txBody>
+                    <a:bodyPr/>
+                    <a:lstStyle/>
+                    <a:p>
+                      <a:pPr>
+                        <a:defRPr sz="1200"/>
+                      </a:pPr>
+                      <a:r>
+                        <a:t>-63</a:t>
+                      </a:r>
+                    </a:p>
+                  </a:txBody>
+                  <a:tcPr/>
+                </a:tc>
+                <a:tc>
+                  <a:txBody>
+                    <a:bodyPr/>
+                    <a:lstStyle/>
+                    <a:p>
+                      <a:pPr>
+                        <a:defRPr sz="1200"/>
+                      </a:pPr>
+                      <a:r>
+                        <a:t>-64</a:t>
+                      </a:r>
+                    </a:p>
+                  </a:txBody>
+                  <a:tcPr/>
+                </a:tc>
+                <a:tc>
+                  <a:txBody>
+                    <a:bodyPr/>
+                    <a:lstStyle/>
+                    <a:p>
+                      <a:pPr>
+                        <a:defRPr sz="1200"/>
+                      </a:pPr>
+                      <a:r>
+                        <a:t>-65</a:t>
+                      </a:r>
+                    </a:p>
+                  </a:txBody>
+                  <a:tcPr/>
+                </a:tc>
+              </a:tr>
+              <a:tr h="0">
+                <a:tc>
+                  <a:txBody>
+                    <a:bodyPr/>
+                    <a:lstStyle/>
+                    <a:p>
+                      <a:pPr>
+                        <a:defRPr sz="1200"/>
+                      </a:pPr>
+                      <a:r>
+                        <a:t>27</a:t>
+                      </a:r>
+                    </a:p>
+                  </a:txBody>
+                  <a:tcPr/>
+                </a:tc>
+                <a:tc>
+                  <a:txBody>
+                    <a:bodyPr/>
+                    <a:lstStyle/>
+                    <a:p>
+                      <a:pPr>
+                        <a:defRPr sz="1200"/>
+                      </a:pPr>
+                      <a:r>
+                        <a:t>7249141800045</a:t>
+                      </a:r>
+                    </a:p>
+                  </a:txBody>
+                  <a:tcPr/>
+                </a:tc>
+                <a:tc>
+                  <a:txBody>
+                    <a:bodyPr/>
+                    <a:lstStyle/>
+                    <a:p>
+                      <a:pPr>
+                        <a:defRPr sz="1200"/>
+                      </a:pPr>
+                      <a:r>
+                        <a:t>PASS</a:t>
+                      </a:r>
+                    </a:p>
+                  </a:txBody>
+                  <a:tcPr/>
+                </a:tc>
+                <a:tc>
+                  <a:txBody>
+                    <a:bodyPr/>
+                    <a:lstStyle/>
+                    <a:p>
+                      <a:pPr>
+                        <a:defRPr sz="1200"/>
+                      </a:pPr>
+                      <a:r>
+                        <a:t>-58</a:t>
+                      </a:r>
+                    </a:p>
+                  </a:txBody>
+                  <a:tcPr/>
+                </a:tc>
+                <a:tc>
+                  <a:txBody>
+                    <a:bodyPr/>
+                    <a:lstStyle/>
+                    <a:p>
+                      <a:pPr>
+                        <a:defRPr sz="1200"/>
+                      </a:pPr>
+                      <a:r>
+                        <a:t>-55</a:t>
+                      </a:r>
+                    </a:p>
+                  </a:txBody>
+                  <a:tcPr/>
+                </a:tc>
+                <a:tc>
+                  <a:txBody>
+                    <a:bodyPr/>
+                    <a:lstStyle/>
+                    <a:p>
+                      <a:pPr>
+                        <a:defRPr sz="1200"/>
+                      </a:pPr>
+                      <a:r>
+                        <a:t>-65</a:t>
+                      </a:r>
+                    </a:p>
+                  </a:txBody>
+                  <a:tcPr/>
+                </a:tc>
+              </a:tr>
+              <a:tr h="0">
+                <a:tc>
+                  <a:txBody>
+                    <a:bodyPr/>
+                    <a:lstStyle/>
+                    <a:p>
+                      <a:pPr>
+                        <a:defRPr sz="1200"/>
+                      </a:pPr>
+                      <a:r>
+                        <a:t>28</a:t>
+                      </a:r>
+                    </a:p>
+                  </a:txBody>
+                  <a:tcPr/>
+                </a:tc>
+                <a:tc>
+                  <a:txBody>
+                    <a:bodyPr/>
+                    <a:lstStyle/>
+                    <a:p>
+                      <a:pPr>
+                        <a:defRPr sz="1200"/>
+                      </a:pPr>
+                      <a:r>
+                        <a:t>7249141800046</a:t>
+                      </a:r>
+                    </a:p>
+                  </a:txBody>
+                  <a:tcPr/>
+                </a:tc>
+                <a:tc>
+                  <a:txBody>
+                    <a:bodyPr/>
+                    <a:lstStyle/>
+                    <a:p>
+                      <a:pPr>
+                        <a:defRPr sz="1200"/>
+                      </a:pPr>
+                      <a:r>
+                        <a:t>PASS</a:t>
+                      </a:r>
+                    </a:p>
+                  </a:txBody>
+                  <a:tcPr/>
+                </a:tc>
+                <a:tc>
+                  <a:txBody>
+                    <a:bodyPr/>
+                    <a:lstStyle/>
+                    <a:p>
+                      <a:pPr>
+                        <a:defRPr sz="1200"/>
+                      </a:pPr>
+                      <a:r>
+                        <a:t>-60</a:t>
+                      </a:r>
+                    </a:p>
+                  </a:txBody>
+                  <a:tcPr/>
+                </a:tc>
+                <a:tc>
+                  <a:txBody>
+                    <a:bodyPr/>
+                    <a:lstStyle/>
+                    <a:p>
+                      <a:pPr>
+                        <a:defRPr sz="1200"/>
+                      </a:pPr>
+                      <a:r>
+                        <a:t>-64</a:t>
+                      </a:r>
+                    </a:p>
+                  </a:txBody>
+                  <a:tcPr/>
+                </a:tc>
+                <a:tc>
+                  <a:txBody>
+                    <a:bodyPr/>
+                    <a:lstStyle/>
+                    <a:p>
+                      <a:pPr>
+                        <a:defRPr sz="1200"/>
+                      </a:pPr>
+                      <a:r>
+                        <a:t>-65</a:t>
+                      </a:r>
+                    </a:p>
+                  </a:txBody>
+                  <a:tcPr/>
+                </a:tc>
+              </a:tr>
+              <a:tr h="0">
+                <a:tc>
+                  <a:txBody>
+                    <a:bodyPr/>
+                    <a:lstStyle/>
+                    <a:p>
+                      <a:pPr>
+                        <a:defRPr sz="1200"/>
+                      </a:pPr>
+                      <a:r>
+                        <a:t>29</a:t>
+                      </a:r>
+                    </a:p>
+                  </a:txBody>
+                  <a:tcPr/>
+                </a:tc>
+                <a:tc>
+                  <a:txBody>
+                    <a:bodyPr/>
+                    <a:lstStyle/>
+                    <a:p>
+                      <a:pPr>
+                        <a:defRPr sz="1200"/>
+                      </a:pPr>
+                      <a:r>
+                        <a:t>7249141800047</a:t>
+                      </a:r>
+                    </a:p>
+                  </a:txBody>
+                  <a:tcPr/>
+                </a:tc>
+                <a:tc>
+                  <a:txBody>
+                    <a:bodyPr/>
+                    <a:lstStyle/>
+                    <a:p>
+                      <a:pPr>
+                        <a:defRPr sz="1200"/>
+                      </a:pPr>
+                      <a:r>
+                        <a:t>PASS</a:t>
+                      </a:r>
+                    </a:p>
+                  </a:txBody>
+                  <a:tcPr/>
+                </a:tc>
+                <a:tc>
+                  <a:txBody>
+                    <a:bodyPr/>
+                    <a:lstStyle/>
+                    <a:p>
+                      <a:pPr>
+                        <a:defRPr sz="1200"/>
+                      </a:pPr>
+                      <a:r>
+                        <a:t>-56</a:t>
+                      </a:r>
+                    </a:p>
+                  </a:txBody>
+                  <a:tcPr/>
+                </a:tc>
+                <a:tc>
+                  <a:txBody>
+                    <a:bodyPr/>
+                    <a:lstStyle/>
+                    <a:p>
+                      <a:pPr>
+                        <a:defRPr sz="1200"/>
+                      </a:pPr>
+                      <a:r>
+                        <a:t>-49</a:t>
+                      </a:r>
+                    </a:p>
+                  </a:txBody>
+                  <a:tcPr/>
+                </a:tc>
+                <a:tc>
+                  <a:txBody>
+                    <a:bodyPr/>
+                    <a:lstStyle/>
+                    <a:p>
+                      <a:pPr>
+                        <a:defRPr sz="1200"/>
+                      </a:pPr>
+                      <a:r>
+                        <a:t>-65</a:t>
+                      </a:r>
+                    </a:p>
+                  </a:txBody>
+                  <a:tcPr/>
+                </a:tc>
+              </a:tr>
+            </a:tbl>
+          </a:graphicData>
+        </a:graphic>
+      </p:graphicFrame>
+      <p:graphicFrame>
+        <p:nvGraphicFramePr>
+          <p:cNvPr id="6" name="Table 5"/>
+          <p:cNvGraphicFramePr>
+            <a:graphicFrameLocks noGrp="1"/>
+          </p:cNvGraphicFramePr>
+          <p:nvPr/>
+        </p:nvGraphicFramePr>
+        <p:xfrm>
+          <a:off x="0" y="0"/>
+          <a:ext cx="7550400" cy="0"/>
+        </p:xfrm>
+        <a:graphic>
+          <a:graphicData uri="http://schemas.openxmlformats.org/drawingml/2006/table">
+            <a:tbl>
+              <a:tblPr firstRow="1" bandRow="1">
+                <a:tableStyleId>{5C22544A-7EE6-4342-B048-85BDC9FD1C3A}</a:tableStyleId>
+              </a:tblPr>
+              <a:tblGrid>
+                <a:gridCol w="699600"/>
+                <a:gridCol w="2071200"/>
+                <a:gridCol w="1766400"/>
+                <a:gridCol w="699600"/>
+                <a:gridCol w="547200"/>
+                <a:gridCol w="1766400"/>
+              </a:tblGrid>
+              <a:tr h="0">
+                <a:tc>
+                  <a:txBody>
+                    <a:bodyPr/>
+                    <a:lstStyle/>
+                    <a:p>
+                      <a:pPr>
+                        <a:defRPr sz="1200"/>
+                      </a:pPr>
+                      <a:r>
+                        <a:t>Item</a:t>
+                      </a:r>
+                    </a:p>
+                  </a:txBody>
+                  <a:tcPr/>
+                </a:tc>
+                <a:tc>
+                  <a:txBody>
+                    <a:bodyPr/>
+                    <a:lstStyle/>
+                    <a:p>
+                      <a:pPr>
+                        <a:defRPr sz="1200"/>
+                      </a:pPr>
+                      <a:r>
+                        <a:t>UNIT PN</a:t>
+                      </a:r>
+                    </a:p>
+                  </a:txBody>
+                  <a:tcPr/>
+                </a:tc>
+                <a:tc>
+                  <a:txBody>
+                    <a:bodyPr/>
+                    <a:lstStyle/>
+                    <a:p>
+                      <a:pPr>
+                        <a:defRPr sz="1200"/>
+                      </a:pPr>
+                      <a:r>
+                        <a:t>Test Result</a:t>
+                      </a:r>
+                    </a:p>
+                  </a:txBody>
+                  <a:tcPr/>
+                </a:tc>
+                <a:tc>
+                  <a:txBody>
+                    <a:bodyPr/>
+                    <a:lstStyle/>
+                    <a:p>
+                      <a:pPr>
+                        <a:defRPr sz="1200"/>
+                      </a:pPr>
+                      <a:r>
+                        <a:t>Main</a:t>
+                      </a:r>
+                    </a:p>
+                  </a:txBody>
+                  <a:tcPr/>
+                </a:tc>
+                <a:tc>
+                  <a:txBody>
+                    <a:bodyPr/>
+                    <a:lstStyle/>
+                    <a:p>
+                      <a:pPr>
+                        <a:defRPr sz="1200"/>
+                      </a:pPr>
+                      <a:r>
+                        <a:t>Aux</a:t>
+                      </a:r>
+                    </a:p>
+                  </a:txBody>
+                  <a:tcPr/>
+                </a:tc>
+                <a:tc>
+                  <a:txBody>
+                    <a:bodyPr/>
+                    <a:lstStyle/>
+                    <a:p>
+                      <a:pPr>
+                        <a:defRPr sz="1200"/>
+                      </a:pPr>
+                      <a:r>
+                        <a:t>Spec</a:t>
+                      </a:r>
+                    </a:p>
+                  </a:txBody>
+                  <a:tcPr/>
+                </a:tc>
+              </a:tr>
+              <a:tr h="0">
+                <a:tc>
+                  <a:txBody>
+                    <a:bodyPr/>
+                    <a:lstStyle/>
+                    <a:p>
+                      <a:pPr>
+                        <a:defRPr sz="1200"/>
+                      </a:pPr>
+                      <a:r>
+                        <a:t>1</a:t>
+                      </a:r>
+                    </a:p>
+                  </a:txBody>
+                  <a:tcPr/>
+                </a:tc>
+                <a:tc>
+                  <a:txBody>
+                    <a:bodyPr/>
+                    <a:lstStyle/>
+                    <a:p>
+                      <a:pPr>
+                        <a:defRPr sz="1200"/>
+                      </a:pPr>
+                      <a:r>
+                        <a:t>7249141700002</a:t>
+                      </a:r>
+                    </a:p>
+                  </a:txBody>
+                  <a:tcPr>
+                    <a:solidFill>
+                      <a:srgbClr val="FF0000"/>
+                    </a:solidFill>
+                  </a:tcPr>
+                </a:tc>
+                <a:tc>
+                  <a:txBody>
+                    <a:bodyPr/>
+                    <a:lstStyle/>
+                    <a:p>
+                      <a:pPr>
+                        <a:defRPr sz="1200"/>
+                      </a:pPr>
+                      <a:r>
+                        <a:t>PASS</a:t>
+                      </a:r>
+                    </a:p>
+                  </a:txBody>
+                  <a:tcPr/>
+                </a:tc>
+                <a:tc>
+                  <a:txBody>
+                    <a:bodyPr/>
+                    <a:lstStyle/>
+                    <a:p>
+                      <a:pPr>
+                        <a:defRPr sz="1200"/>
+                      </a:pPr>
+                      <a:r>
+                        <a:t>-62</a:t>
+                      </a:r>
+                    </a:p>
+                  </a:txBody>
+                  <a:tcPr/>
+                </a:tc>
+                <a:tc>
+                  <a:txBody>
+                    <a:bodyPr/>
+                    <a:lstStyle/>
+                    <a:p>
+                      <a:pPr>
+                        <a:defRPr sz="1200"/>
+                      </a:pPr>
+                      <a:r>
+                        <a:t>-57</a:t>
+                      </a:r>
+                    </a:p>
+                  </a:txBody>
+                  <a:tcPr/>
+                </a:tc>
+                <a:tc>
+                  <a:txBody>
+                    <a:bodyPr/>
+                    <a:lstStyle/>
+                    <a:p>
+                      <a:pPr>
+                        <a:defRPr sz="1200"/>
+                      </a:pPr>
+                      <a:r>
+                        <a:t>-65</a:t>
+                      </a:r>
+                    </a:p>
+                  </a:txBody>
+                  <a:tcPr/>
+                </a:tc>
+              </a:tr>
+              <a:tr h="0">
+                <a:tc>
+                  <a:txBody>
+                    <a:bodyPr/>
+                    <a:lstStyle/>
+                    <a:p>
+                      <a:pPr>
+                        <a:defRPr sz="1200"/>
+                      </a:pPr>
+                      <a:r>
+                        <a:t>2</a:t>
+                      </a:r>
+                    </a:p>
+                  </a:txBody>
+                  <a:tcPr/>
+                </a:tc>
+                <a:tc>
+                  <a:txBody>
+                    <a:bodyPr/>
+                    <a:lstStyle/>
+                    <a:p>
+                      <a:pPr>
+                        <a:defRPr sz="1200"/>
+                      </a:pPr>
+                      <a:r>
+                        <a:t>7249141700003</a:t>
+                      </a:r>
+                    </a:p>
+                  </a:txBody>
+                  <a:tcPr/>
+                </a:tc>
+                <a:tc>
+                  <a:txBody>
+                    <a:bodyPr/>
+                    <a:lstStyle/>
+                    <a:p>
+                      <a:pPr>
+                        <a:defRPr sz="1200"/>
+                      </a:pPr>
+                      <a:r>
                         <a:rPr sz="1200" b="1" i="1">
                           <a:solidFill>
                             <a:srgbClr val="0000FF"/>
@@ -3735,7 +6578,7 @@
       </p:graphicFrame>
       <p:graphicFrame>
         <p:nvGraphicFramePr>
-          <p:cNvPr id="5" name="Table 4"/>
+          <p:cNvPr id="7" name="Table 6"/>
           <p:cNvGraphicFramePr>
             <a:graphicFrameLocks noGrp="1"/>
           </p:cNvGraphicFramePr>
@@ -4185,6 +7028,1782 @@
                     <a:p>
                       <a:r>
                         <a:t>-52</a:t>
+                      </a:r>
+                    </a:p>
+                  </a:txBody>
+                  <a:tcPr/>
+                </a:tc>
+                <a:tc>
+                  <a:txBody>
+                    <a:bodyPr/>
+                    <a:lstStyle/>
+                    <a:p>
+                      <a:r>
+                        <a:t>-65</a:t>
+                      </a:r>
+                    </a:p>
+                  </a:txBody>
+                  <a:tcPr/>
+                </a:tc>
+              </a:tr>
+              <a:tr h="0">
+                <a:tc>
+                  <a:txBody>
+                    <a:bodyPr/>
+                    <a:lstStyle/>
+                    <a:p>
+                      <a:r>
+                        <a:t>6</a:t>
+                      </a:r>
+                    </a:p>
+                  </a:txBody>
+                  <a:tcPr/>
+                </a:tc>
+                <a:tc>
+                  <a:txBody>
+                    <a:bodyPr/>
+                    <a:lstStyle/>
+                    <a:p>
+                      <a:r>
+                        <a:t>7249141700011</a:t>
+                      </a:r>
+                    </a:p>
+                  </a:txBody>
+                  <a:tcPr/>
+                </a:tc>
+                <a:tc>
+                  <a:txBody>
+                    <a:bodyPr/>
+                    <a:lstStyle/>
+                    <a:p>
+                      <a:r>
+                        <a:t>PASS</a:t>
+                      </a:r>
+                    </a:p>
+                  </a:txBody>
+                  <a:tcPr/>
+                </a:tc>
+                <a:tc>
+                  <a:txBody>
+                    <a:bodyPr/>
+                    <a:lstStyle/>
+                    <a:p>
+                      <a:r>
+                        <a:t>-62</a:t>
+                      </a:r>
+                    </a:p>
+                  </a:txBody>
+                  <a:tcPr/>
+                </a:tc>
+                <a:tc>
+                  <a:txBody>
+                    <a:bodyPr/>
+                    <a:lstStyle/>
+                    <a:p>
+                      <a:r>
+                        <a:t>-56</a:t>
+                      </a:r>
+                    </a:p>
+                  </a:txBody>
+                  <a:tcPr/>
+                </a:tc>
+                <a:tc>
+                  <a:txBody>
+                    <a:bodyPr/>
+                    <a:lstStyle/>
+                    <a:p>
+                      <a:r>
+                        <a:t>-65</a:t>
+                      </a:r>
+                    </a:p>
+                  </a:txBody>
+                  <a:tcPr/>
+                </a:tc>
+              </a:tr>
+              <a:tr h="0">
+                <a:tc>
+                  <a:txBody>
+                    <a:bodyPr/>
+                    <a:lstStyle/>
+                    <a:p>
+                      <a:r>
+                        <a:t>7</a:t>
+                      </a:r>
+                    </a:p>
+                  </a:txBody>
+                  <a:tcPr/>
+                </a:tc>
+                <a:tc>
+                  <a:txBody>
+                    <a:bodyPr/>
+                    <a:lstStyle/>
+                    <a:p>
+                      <a:r>
+                        <a:t>7249141700012</a:t>
+                      </a:r>
+                    </a:p>
+                  </a:txBody>
+                  <a:tcPr/>
+                </a:tc>
+                <a:tc>
+                  <a:txBody>
+                    <a:bodyPr/>
+                    <a:lstStyle/>
+                    <a:p>
+                      <a:r>
+                        <a:t>PASS</a:t>
+                      </a:r>
+                    </a:p>
+                  </a:txBody>
+                  <a:tcPr/>
+                </a:tc>
+                <a:tc>
+                  <a:txBody>
+                    <a:bodyPr/>
+                    <a:lstStyle/>
+                    <a:p>
+                      <a:r>
+                        <a:t>-61</a:t>
+                      </a:r>
+                    </a:p>
+                  </a:txBody>
+                  <a:tcPr/>
+                </a:tc>
+                <a:tc>
+                  <a:txBody>
+                    <a:bodyPr/>
+                    <a:lstStyle/>
+                    <a:p>
+                      <a:r>
+                        <a:t>-61</a:t>
+                      </a:r>
+                    </a:p>
+                  </a:txBody>
+                  <a:tcPr/>
+                </a:tc>
+                <a:tc>
+                  <a:txBody>
+                    <a:bodyPr/>
+                    <a:lstStyle/>
+                    <a:p>
+                      <a:r>
+                        <a:t>-65</a:t>
+                      </a:r>
+                    </a:p>
+                  </a:txBody>
+                  <a:tcPr/>
+                </a:tc>
+              </a:tr>
+              <a:tr h="0">
+                <a:tc>
+                  <a:txBody>
+                    <a:bodyPr/>
+                    <a:lstStyle/>
+                    <a:p>
+                      <a:r>
+                        <a:t>8</a:t>
+                      </a:r>
+                    </a:p>
+                  </a:txBody>
+                  <a:tcPr/>
+                </a:tc>
+                <a:tc>
+                  <a:txBody>
+                    <a:bodyPr/>
+                    <a:lstStyle/>
+                    <a:p>
+                      <a:r>
+                        <a:t>7249141800002</a:t>
+                      </a:r>
+                    </a:p>
+                  </a:txBody>
+                  <a:tcPr/>
+                </a:tc>
+                <a:tc>
+                  <a:txBody>
+                    <a:bodyPr/>
+                    <a:lstStyle/>
+                    <a:p>
+                      <a:r>
+                        <a:t>PASS</a:t>
+                      </a:r>
+                    </a:p>
+                  </a:txBody>
+                  <a:tcPr/>
+                </a:tc>
+                <a:tc>
+                  <a:txBody>
+                    <a:bodyPr/>
+                    <a:lstStyle/>
+                    <a:p>
+                      <a:r>
+                        <a:t>-64</a:t>
+                      </a:r>
+                    </a:p>
+                  </a:txBody>
+                  <a:tcPr/>
+                </a:tc>
+                <a:tc>
+                  <a:txBody>
+                    <a:bodyPr/>
+                    <a:lstStyle/>
+                    <a:p>
+                      <a:r>
+                        <a:t>-65</a:t>
+                      </a:r>
+                    </a:p>
+                  </a:txBody>
+                  <a:tcPr/>
+                </a:tc>
+                <a:tc>
+                  <a:txBody>
+                    <a:bodyPr/>
+                    <a:lstStyle/>
+                    <a:p>
+                      <a:r>
+                        <a:t>-65</a:t>
+                      </a:r>
+                    </a:p>
+                  </a:txBody>
+                  <a:tcPr/>
+                </a:tc>
+              </a:tr>
+              <a:tr h="0">
+                <a:tc>
+                  <a:txBody>
+                    <a:bodyPr/>
+                    <a:lstStyle/>
+                    <a:p>
+                      <a:r>
+                        <a:t>9</a:t>
+                      </a:r>
+                    </a:p>
+                  </a:txBody>
+                  <a:tcPr/>
+                </a:tc>
+                <a:tc>
+                  <a:txBody>
+                    <a:bodyPr/>
+                    <a:lstStyle/>
+                    <a:p>
+                      <a:r>
+                        <a:t>7249141800006</a:t>
+                      </a:r>
+                    </a:p>
+                  </a:txBody>
+                  <a:tcPr/>
+                </a:tc>
+                <a:tc>
+                  <a:txBody>
+                    <a:bodyPr/>
+                    <a:lstStyle/>
+                    <a:p>
+                      <a:r>
+                        <a:t>PASS</a:t>
+                      </a:r>
+                    </a:p>
+                  </a:txBody>
+                  <a:tcPr/>
+                </a:tc>
+                <a:tc>
+                  <a:txBody>
+                    <a:bodyPr/>
+                    <a:lstStyle/>
+                    <a:p>
+                      <a:r>
+                        <a:t>-64</a:t>
+                      </a:r>
+                    </a:p>
+                  </a:txBody>
+                  <a:tcPr/>
+                </a:tc>
+                <a:tc>
+                  <a:txBody>
+                    <a:bodyPr/>
+                    <a:lstStyle/>
+                    <a:p>
+                      <a:r>
+                        <a:t>-59</a:t>
+                      </a:r>
+                    </a:p>
+                  </a:txBody>
+                  <a:tcPr/>
+                </a:tc>
+                <a:tc>
+                  <a:txBody>
+                    <a:bodyPr/>
+                    <a:lstStyle/>
+                    <a:p>
+                      <a:r>
+                        <a:t>-65</a:t>
+                      </a:r>
+                    </a:p>
+                  </a:txBody>
+                  <a:tcPr/>
+                </a:tc>
+              </a:tr>
+              <a:tr h="0">
+                <a:tc>
+                  <a:txBody>
+                    <a:bodyPr/>
+                    <a:lstStyle/>
+                    <a:p>
+                      <a:r>
+                        <a:t>10</a:t>
+                      </a:r>
+                    </a:p>
+                  </a:txBody>
+                  <a:tcPr/>
+                </a:tc>
+                <a:tc>
+                  <a:txBody>
+                    <a:bodyPr/>
+                    <a:lstStyle/>
+                    <a:p>
+                      <a:r>
+                        <a:t>7249141800012</a:t>
+                      </a:r>
+                    </a:p>
+                  </a:txBody>
+                  <a:tcPr/>
+                </a:tc>
+                <a:tc>
+                  <a:txBody>
+                    <a:bodyPr/>
+                    <a:lstStyle/>
+                    <a:p>
+                      <a:r>
+                        <a:t>PASS</a:t>
+                      </a:r>
+                    </a:p>
+                  </a:txBody>
+                  <a:tcPr/>
+                </a:tc>
+                <a:tc>
+                  <a:txBody>
+                    <a:bodyPr/>
+                    <a:lstStyle/>
+                    <a:p>
+                      <a:r>
+                        <a:t>-60</a:t>
+                      </a:r>
+                    </a:p>
+                  </a:txBody>
+                  <a:tcPr/>
+                </a:tc>
+                <a:tc>
+                  <a:txBody>
+                    <a:bodyPr/>
+                    <a:lstStyle/>
+                    <a:p>
+                      <a:r>
+                        <a:t>-65</a:t>
+                      </a:r>
+                    </a:p>
+                  </a:txBody>
+                  <a:tcPr/>
+                </a:tc>
+                <a:tc>
+                  <a:txBody>
+                    <a:bodyPr/>
+                    <a:lstStyle/>
+                    <a:p>
+                      <a:r>
+                        <a:t>-65</a:t>
+                      </a:r>
+                    </a:p>
+                  </a:txBody>
+                  <a:tcPr/>
+                </a:tc>
+              </a:tr>
+              <a:tr h="0">
+                <a:tc>
+                  <a:txBody>
+                    <a:bodyPr/>
+                    <a:lstStyle/>
+                    <a:p>
+                      <a:r>
+                        <a:t>11</a:t>
+                      </a:r>
+                    </a:p>
+                  </a:txBody>
+                  <a:tcPr/>
+                </a:tc>
+                <a:tc>
+                  <a:txBody>
+                    <a:bodyPr/>
+                    <a:lstStyle/>
+                    <a:p>
+                      <a:r>
+                        <a:t>7249141800014</a:t>
+                      </a:r>
+                    </a:p>
+                  </a:txBody>
+                  <a:tcPr/>
+                </a:tc>
+                <a:tc>
+                  <a:txBody>
+                    <a:bodyPr/>
+                    <a:lstStyle/>
+                    <a:p>
+                      <a:r>
+                        <a:t>PASS</a:t>
+                      </a:r>
+                    </a:p>
+                  </a:txBody>
+                  <a:tcPr/>
+                </a:tc>
+                <a:tc>
+                  <a:txBody>
+                    <a:bodyPr/>
+                    <a:lstStyle/>
+                    <a:p>
+                      <a:r>
+                        <a:t>-54</a:t>
+                      </a:r>
+                    </a:p>
+                  </a:txBody>
+                  <a:tcPr/>
+                </a:tc>
+                <a:tc>
+                  <a:txBody>
+                    <a:bodyPr/>
+                    <a:lstStyle/>
+                    <a:p>
+                      <a:r>
+                        <a:t>-59</a:t>
+                      </a:r>
+                    </a:p>
+                  </a:txBody>
+                  <a:tcPr/>
+                </a:tc>
+                <a:tc>
+                  <a:txBody>
+                    <a:bodyPr/>
+                    <a:lstStyle/>
+                    <a:p>
+                      <a:r>
+                        <a:t>-65</a:t>
+                      </a:r>
+                    </a:p>
+                  </a:txBody>
+                  <a:tcPr/>
+                </a:tc>
+              </a:tr>
+              <a:tr h="0">
+                <a:tc>
+                  <a:txBody>
+                    <a:bodyPr/>
+                    <a:lstStyle/>
+                    <a:p>
+                      <a:r>
+                        <a:t>12</a:t>
+                      </a:r>
+                    </a:p>
+                  </a:txBody>
+                  <a:tcPr/>
+                </a:tc>
+                <a:tc>
+                  <a:txBody>
+                    <a:bodyPr/>
+                    <a:lstStyle/>
+                    <a:p>
+                      <a:r>
+                        <a:t>7249141800017</a:t>
+                      </a:r>
+                    </a:p>
+                  </a:txBody>
+                  <a:tcPr/>
+                </a:tc>
+                <a:tc>
+                  <a:txBody>
+                    <a:bodyPr/>
+                    <a:lstStyle/>
+                    <a:p>
+                      <a:r>
+                        <a:t>PASS</a:t>
+                      </a:r>
+                    </a:p>
+                  </a:txBody>
+                  <a:tcPr/>
+                </a:tc>
+                <a:tc>
+                  <a:txBody>
+                    <a:bodyPr/>
+                    <a:lstStyle/>
+                    <a:p>
+                      <a:r>
+                        <a:t>-55</a:t>
+                      </a:r>
+                    </a:p>
+                  </a:txBody>
+                  <a:tcPr/>
+                </a:tc>
+                <a:tc>
+                  <a:txBody>
+                    <a:bodyPr/>
+                    <a:lstStyle/>
+                    <a:p>
+                      <a:r>
+                        <a:t>-57</a:t>
+                      </a:r>
+                    </a:p>
+                  </a:txBody>
+                  <a:tcPr/>
+                </a:tc>
+                <a:tc>
+                  <a:txBody>
+                    <a:bodyPr/>
+                    <a:lstStyle/>
+                    <a:p>
+                      <a:r>
+                        <a:t>-65</a:t>
+                      </a:r>
+                    </a:p>
+                  </a:txBody>
+                  <a:tcPr/>
+                </a:tc>
+              </a:tr>
+              <a:tr h="0">
+                <a:tc>
+                  <a:txBody>
+                    <a:bodyPr/>
+                    <a:lstStyle/>
+                    <a:p>
+                      <a:r>
+                        <a:t>13</a:t>
+                      </a:r>
+                    </a:p>
+                  </a:txBody>
+                  <a:tcPr/>
+                </a:tc>
+                <a:tc>
+                  <a:txBody>
+                    <a:bodyPr/>
+                    <a:lstStyle/>
+                    <a:p>
+                      <a:r>
+                        <a:t>7249141800018</a:t>
+                      </a:r>
+                    </a:p>
+                  </a:txBody>
+                  <a:tcPr/>
+                </a:tc>
+                <a:tc>
+                  <a:txBody>
+                    <a:bodyPr/>
+                    <a:lstStyle/>
+                    <a:p>
+                      <a:r>
+                        <a:t>PASS</a:t>
+                      </a:r>
+                    </a:p>
+                  </a:txBody>
+                  <a:tcPr/>
+                </a:tc>
+                <a:tc>
+                  <a:txBody>
+                    <a:bodyPr/>
+                    <a:lstStyle/>
+                    <a:p>
+                      <a:r>
+                        <a:t>-64</a:t>
+                      </a:r>
+                    </a:p>
+                  </a:txBody>
+                  <a:tcPr/>
+                </a:tc>
+                <a:tc>
+                  <a:txBody>
+                    <a:bodyPr/>
+                    <a:lstStyle/>
+                    <a:p>
+                      <a:r>
+                        <a:t>-55</a:t>
+                      </a:r>
+                    </a:p>
+                  </a:txBody>
+                  <a:tcPr/>
+                </a:tc>
+                <a:tc>
+                  <a:txBody>
+                    <a:bodyPr/>
+                    <a:lstStyle/>
+                    <a:p>
+                      <a:r>
+                        <a:t>-65</a:t>
+                      </a:r>
+                    </a:p>
+                  </a:txBody>
+                  <a:tcPr/>
+                </a:tc>
+              </a:tr>
+              <a:tr h="0">
+                <a:tc>
+                  <a:txBody>
+                    <a:bodyPr/>
+                    <a:lstStyle/>
+                    <a:p>
+                      <a:r>
+                        <a:t>14</a:t>
+                      </a:r>
+                    </a:p>
+                  </a:txBody>
+                  <a:tcPr/>
+                </a:tc>
+                <a:tc>
+                  <a:txBody>
+                    <a:bodyPr/>
+                    <a:lstStyle/>
+                    <a:p>
+                      <a:r>
+                        <a:t>7249141800020</a:t>
+                      </a:r>
+                    </a:p>
+                  </a:txBody>
+                  <a:tcPr/>
+                </a:tc>
+                <a:tc>
+                  <a:txBody>
+                    <a:bodyPr/>
+                    <a:lstStyle/>
+                    <a:p>
+                      <a:r>
+                        <a:t>PASS</a:t>
+                      </a:r>
+                    </a:p>
+                  </a:txBody>
+                  <a:tcPr/>
+                </a:tc>
+                <a:tc>
+                  <a:txBody>
+                    <a:bodyPr/>
+                    <a:lstStyle/>
+                    <a:p>
+                      <a:r>
+                        <a:t>-54</a:t>
+                      </a:r>
+                    </a:p>
+                  </a:txBody>
+                  <a:tcPr/>
+                </a:tc>
+                <a:tc>
+                  <a:txBody>
+                    <a:bodyPr/>
+                    <a:lstStyle/>
+                    <a:p>
+                      <a:r>
+                        <a:t>-60</a:t>
+                      </a:r>
+                    </a:p>
+                  </a:txBody>
+                  <a:tcPr/>
+                </a:tc>
+                <a:tc>
+                  <a:txBody>
+                    <a:bodyPr/>
+                    <a:lstStyle/>
+                    <a:p>
+                      <a:r>
+                        <a:t>-65</a:t>
+                      </a:r>
+                    </a:p>
+                  </a:txBody>
+                  <a:tcPr/>
+                </a:tc>
+              </a:tr>
+              <a:tr h="0">
+                <a:tc>
+                  <a:txBody>
+                    <a:bodyPr/>
+                    <a:lstStyle/>
+                    <a:p>
+                      <a:r>
+                        <a:t>15</a:t>
+                      </a:r>
+                    </a:p>
+                  </a:txBody>
+                  <a:tcPr/>
+                </a:tc>
+                <a:tc>
+                  <a:txBody>
+                    <a:bodyPr/>
+                    <a:lstStyle/>
+                    <a:p>
+                      <a:r>
+                        <a:t>7249141800021</a:t>
+                      </a:r>
+                    </a:p>
+                  </a:txBody>
+                  <a:tcPr/>
+                </a:tc>
+                <a:tc>
+                  <a:txBody>
+                    <a:bodyPr/>
+                    <a:lstStyle/>
+                    <a:p>
+                      <a:r>
+                        <a:t>PASS</a:t>
+                      </a:r>
+                    </a:p>
+                  </a:txBody>
+                  <a:tcPr/>
+                </a:tc>
+                <a:tc>
+                  <a:txBody>
+                    <a:bodyPr/>
+                    <a:lstStyle/>
+                    <a:p>
+                      <a:r>
+                        <a:t>-62</a:t>
+                      </a:r>
+                    </a:p>
+                  </a:txBody>
+                  <a:tcPr/>
+                </a:tc>
+                <a:tc>
+                  <a:txBody>
+                    <a:bodyPr/>
+                    <a:lstStyle/>
+                    <a:p>
+                      <a:r>
+                        <a:t>-63</a:t>
+                      </a:r>
+                    </a:p>
+                  </a:txBody>
+                  <a:tcPr/>
+                </a:tc>
+                <a:tc>
+                  <a:txBody>
+                    <a:bodyPr/>
+                    <a:lstStyle/>
+                    <a:p>
+                      <a:r>
+                        <a:t>-65</a:t>
+                      </a:r>
+                    </a:p>
+                  </a:txBody>
+                  <a:tcPr/>
+                </a:tc>
+              </a:tr>
+              <a:tr h="0">
+                <a:tc>
+                  <a:txBody>
+                    <a:bodyPr/>
+                    <a:lstStyle/>
+                    <a:p>
+                      <a:r>
+                        <a:t>16</a:t>
+                      </a:r>
+                    </a:p>
+                  </a:txBody>
+                  <a:tcPr/>
+                </a:tc>
+                <a:tc>
+                  <a:txBody>
+                    <a:bodyPr/>
+                    <a:lstStyle/>
+                    <a:p>
+                      <a:r>
+                        <a:t>7249141800023</a:t>
+                      </a:r>
+                    </a:p>
+                  </a:txBody>
+                  <a:tcPr/>
+                </a:tc>
+                <a:tc>
+                  <a:txBody>
+                    <a:bodyPr/>
+                    <a:lstStyle/>
+                    <a:p>
+                      <a:r>
+                        <a:t>PASS</a:t>
+                      </a:r>
+                    </a:p>
+                  </a:txBody>
+                  <a:tcPr/>
+                </a:tc>
+                <a:tc>
+                  <a:txBody>
+                    <a:bodyPr/>
+                    <a:lstStyle/>
+                    <a:p>
+                      <a:r>
+                        <a:t>-55</a:t>
+                      </a:r>
+                    </a:p>
+                  </a:txBody>
+                  <a:tcPr/>
+                </a:tc>
+                <a:tc>
+                  <a:txBody>
+                    <a:bodyPr/>
+                    <a:lstStyle/>
+                    <a:p>
+                      <a:r>
+                        <a:t>-60</a:t>
+                      </a:r>
+                    </a:p>
+                  </a:txBody>
+                  <a:tcPr/>
+                </a:tc>
+                <a:tc>
+                  <a:txBody>
+                    <a:bodyPr/>
+                    <a:lstStyle/>
+                    <a:p>
+                      <a:r>
+                        <a:t>-65</a:t>
+                      </a:r>
+                    </a:p>
+                  </a:txBody>
+                  <a:tcPr/>
+                </a:tc>
+              </a:tr>
+              <a:tr h="0">
+                <a:tc>
+                  <a:txBody>
+                    <a:bodyPr/>
+                    <a:lstStyle/>
+                    <a:p>
+                      <a:r>
+                        <a:t>17</a:t>
+                      </a:r>
+                    </a:p>
+                  </a:txBody>
+                  <a:tcPr/>
+                </a:tc>
+                <a:tc>
+                  <a:txBody>
+                    <a:bodyPr/>
+                    <a:lstStyle/>
+                    <a:p>
+                      <a:r>
+                        <a:t>7249141800024</a:t>
+                      </a:r>
+                    </a:p>
+                  </a:txBody>
+                  <a:tcPr/>
+                </a:tc>
+                <a:tc>
+                  <a:txBody>
+                    <a:bodyPr/>
+                    <a:lstStyle/>
+                    <a:p>
+                      <a:r>
+                        <a:t>PASS</a:t>
+                      </a:r>
+                    </a:p>
+                  </a:txBody>
+                  <a:tcPr/>
+                </a:tc>
+                <a:tc>
+                  <a:txBody>
+                    <a:bodyPr/>
+                    <a:lstStyle/>
+                    <a:p>
+                      <a:r>
+                        <a:t>-54</a:t>
+                      </a:r>
+                    </a:p>
+                  </a:txBody>
+                  <a:tcPr/>
+                </a:tc>
+                <a:tc>
+                  <a:txBody>
+                    <a:bodyPr/>
+                    <a:lstStyle/>
+                    <a:p>
+                      <a:r>
+                        <a:t>-52</a:t>
+                      </a:r>
+                    </a:p>
+                  </a:txBody>
+                  <a:tcPr/>
+                </a:tc>
+                <a:tc>
+                  <a:txBody>
+                    <a:bodyPr/>
+                    <a:lstStyle/>
+                    <a:p>
+                      <a:r>
+                        <a:t>-65</a:t>
+                      </a:r>
+                    </a:p>
+                  </a:txBody>
+                  <a:tcPr/>
+                </a:tc>
+              </a:tr>
+              <a:tr h="0">
+                <a:tc>
+                  <a:txBody>
+                    <a:bodyPr/>
+                    <a:lstStyle/>
+                    <a:p>
+                      <a:r>
+                        <a:t>18</a:t>
+                      </a:r>
+                    </a:p>
+                  </a:txBody>
+                  <a:tcPr/>
+                </a:tc>
+                <a:tc>
+                  <a:txBody>
+                    <a:bodyPr/>
+                    <a:lstStyle/>
+                    <a:p>
+                      <a:r>
+                        <a:t>7249141800028</a:t>
+                      </a:r>
+                    </a:p>
+                  </a:txBody>
+                  <a:tcPr/>
+                </a:tc>
+                <a:tc>
+                  <a:txBody>
+                    <a:bodyPr/>
+                    <a:lstStyle/>
+                    <a:p>
+                      <a:r>
+                        <a:t>PASS</a:t>
+                      </a:r>
+                    </a:p>
+                  </a:txBody>
+                  <a:tcPr/>
+                </a:tc>
+                <a:tc>
+                  <a:txBody>
+                    <a:bodyPr/>
+                    <a:lstStyle/>
+                    <a:p>
+                      <a:r>
+                        <a:t>-48</a:t>
+                      </a:r>
+                    </a:p>
+                  </a:txBody>
+                  <a:tcPr/>
+                </a:tc>
+                <a:tc>
+                  <a:txBody>
+                    <a:bodyPr/>
+                    <a:lstStyle/>
+                    <a:p>
+                      <a:r>
+                        <a:t>-54</a:t>
+                      </a:r>
+                    </a:p>
+                  </a:txBody>
+                  <a:tcPr/>
+                </a:tc>
+                <a:tc>
+                  <a:txBody>
+                    <a:bodyPr/>
+                    <a:lstStyle/>
+                    <a:p>
+                      <a:r>
+                        <a:t>-65</a:t>
+                      </a:r>
+                    </a:p>
+                  </a:txBody>
+                  <a:tcPr/>
+                </a:tc>
+              </a:tr>
+              <a:tr h="0">
+                <a:tc>
+                  <a:txBody>
+                    <a:bodyPr/>
+                    <a:lstStyle/>
+                    <a:p>
+                      <a:r>
+                        <a:t>19</a:t>
+                      </a:r>
+                    </a:p>
+                  </a:txBody>
+                  <a:tcPr/>
+                </a:tc>
+                <a:tc>
+                  <a:txBody>
+                    <a:bodyPr/>
+                    <a:lstStyle/>
+                    <a:p>
+                      <a:r>
+                        <a:t>7249141800029</a:t>
+                      </a:r>
+                    </a:p>
+                  </a:txBody>
+                  <a:tcPr/>
+                </a:tc>
+                <a:tc>
+                  <a:txBody>
+                    <a:bodyPr/>
+                    <a:lstStyle/>
+                    <a:p>
+                      <a:r>
+                        <a:t>PASS</a:t>
+                      </a:r>
+                    </a:p>
+                  </a:txBody>
+                  <a:tcPr/>
+                </a:tc>
+                <a:tc>
+                  <a:txBody>
+                    <a:bodyPr/>
+                    <a:lstStyle/>
+                    <a:p>
+                      <a:r>
+                        <a:t>-65</a:t>
+                      </a:r>
+                    </a:p>
+                  </a:txBody>
+                  <a:tcPr/>
+                </a:tc>
+                <a:tc>
+                  <a:txBody>
+                    <a:bodyPr/>
+                    <a:lstStyle/>
+                    <a:p>
+                      <a:r>
+                        <a:t>-63</a:t>
+                      </a:r>
+                    </a:p>
+                  </a:txBody>
+                  <a:tcPr/>
+                </a:tc>
+                <a:tc>
+                  <a:txBody>
+                    <a:bodyPr/>
+                    <a:lstStyle/>
+                    <a:p>
+                      <a:r>
+                        <a:t>-65</a:t>
+                      </a:r>
+                    </a:p>
+                  </a:txBody>
+                  <a:tcPr/>
+                </a:tc>
+              </a:tr>
+              <a:tr h="0">
+                <a:tc>
+                  <a:txBody>
+                    <a:bodyPr/>
+                    <a:lstStyle/>
+                    <a:p>
+                      <a:r>
+                        <a:t>20</a:t>
+                      </a:r>
+                    </a:p>
+                  </a:txBody>
+                  <a:tcPr/>
+                </a:tc>
+                <a:tc>
+                  <a:txBody>
+                    <a:bodyPr/>
+                    <a:lstStyle/>
+                    <a:p>
+                      <a:r>
+                        <a:t>7249141800031</a:t>
+                      </a:r>
+                    </a:p>
+                  </a:txBody>
+                  <a:tcPr/>
+                </a:tc>
+                <a:tc>
+                  <a:txBody>
+                    <a:bodyPr/>
+                    <a:lstStyle/>
+                    <a:p>
+                      <a:r>
+                        <a:t>PASS</a:t>
+                      </a:r>
+                    </a:p>
+                  </a:txBody>
+                  <a:tcPr/>
+                </a:tc>
+                <a:tc>
+                  <a:txBody>
+                    <a:bodyPr/>
+                    <a:lstStyle/>
+                    <a:p>
+                      <a:r>
+                        <a:t>-64</a:t>
+                      </a:r>
+                    </a:p>
+                  </a:txBody>
+                  <a:tcPr/>
+                </a:tc>
+                <a:tc>
+                  <a:txBody>
+                    <a:bodyPr/>
+                    <a:lstStyle/>
+                    <a:p>
+                      <a:r>
+                        <a:t>-52</a:t>
+                      </a:r>
+                    </a:p>
+                  </a:txBody>
+                  <a:tcPr/>
+                </a:tc>
+                <a:tc>
+                  <a:txBody>
+                    <a:bodyPr/>
+                    <a:lstStyle/>
+                    <a:p>
+                      <a:r>
+                        <a:t>-65</a:t>
+                      </a:r>
+                    </a:p>
+                  </a:txBody>
+                  <a:tcPr/>
+                </a:tc>
+              </a:tr>
+              <a:tr h="0">
+                <a:tc>
+                  <a:txBody>
+                    <a:bodyPr/>
+                    <a:lstStyle/>
+                    <a:p>
+                      <a:r>
+                        <a:t>21</a:t>
+                      </a:r>
+                    </a:p>
+                  </a:txBody>
+                  <a:tcPr/>
+                </a:tc>
+                <a:tc>
+                  <a:txBody>
+                    <a:bodyPr/>
+                    <a:lstStyle/>
+                    <a:p>
+                      <a:r>
+                        <a:t>7249141800033</a:t>
+                      </a:r>
+                    </a:p>
+                  </a:txBody>
+                  <a:tcPr/>
+                </a:tc>
+                <a:tc>
+                  <a:txBody>
+                    <a:bodyPr/>
+                    <a:lstStyle/>
+                    <a:p>
+                      <a:r>
+                        <a:t>PASS</a:t>
+                      </a:r>
+                    </a:p>
+                  </a:txBody>
+                  <a:tcPr/>
+                </a:tc>
+                <a:tc>
+                  <a:txBody>
+                    <a:bodyPr/>
+                    <a:lstStyle/>
+                    <a:p>
+                      <a:r>
+                        <a:t>-59</a:t>
+                      </a:r>
+                    </a:p>
+                  </a:txBody>
+                  <a:tcPr/>
+                </a:tc>
+                <a:tc>
+                  <a:txBody>
+                    <a:bodyPr/>
+                    <a:lstStyle/>
+                    <a:p>
+                      <a:r>
+                        <a:t>-59</a:t>
+                      </a:r>
+                    </a:p>
+                  </a:txBody>
+                  <a:tcPr/>
+                </a:tc>
+                <a:tc>
+                  <a:txBody>
+                    <a:bodyPr/>
+                    <a:lstStyle/>
+                    <a:p>
+                      <a:r>
+                        <a:t>-65</a:t>
+                      </a:r>
+                    </a:p>
+                  </a:txBody>
+                  <a:tcPr/>
+                </a:tc>
+              </a:tr>
+              <a:tr h="0">
+                <a:tc>
+                  <a:txBody>
+                    <a:bodyPr/>
+                    <a:lstStyle/>
+                    <a:p>
+                      <a:r>
+                        <a:t>22</a:t>
+                      </a:r>
+                    </a:p>
+                  </a:txBody>
+                  <a:tcPr/>
+                </a:tc>
+                <a:tc>
+                  <a:txBody>
+                    <a:bodyPr/>
+                    <a:lstStyle/>
+                    <a:p>
+                      <a:r>
+                        <a:t>7249141800036</a:t>
+                      </a:r>
+                    </a:p>
+                  </a:txBody>
+                  <a:tcPr/>
+                </a:tc>
+                <a:tc>
+                  <a:txBody>
+                    <a:bodyPr/>
+                    <a:lstStyle/>
+                    <a:p>
+                      <a:r>
+                        <a:t>PASS</a:t>
+                      </a:r>
+                    </a:p>
+                  </a:txBody>
+                  <a:tcPr/>
+                </a:tc>
+                <a:tc>
+                  <a:txBody>
+                    <a:bodyPr/>
+                    <a:lstStyle/>
+                    <a:p>
+                      <a:r>
+                        <a:t>-58</a:t>
+                      </a:r>
+                    </a:p>
+                  </a:txBody>
+                  <a:tcPr/>
+                </a:tc>
+                <a:tc>
+                  <a:txBody>
+                    <a:bodyPr/>
+                    <a:lstStyle/>
+                    <a:p>
+                      <a:r>
+                        <a:t>-64</a:t>
+                      </a:r>
+                    </a:p>
+                  </a:txBody>
+                  <a:tcPr/>
+                </a:tc>
+                <a:tc>
+                  <a:txBody>
+                    <a:bodyPr/>
+                    <a:lstStyle/>
+                    <a:p>
+                      <a:r>
+                        <a:t>-65</a:t>
+                      </a:r>
+                    </a:p>
+                  </a:txBody>
+                  <a:tcPr/>
+                </a:tc>
+              </a:tr>
+              <a:tr h="0">
+                <a:tc>
+                  <a:txBody>
+                    <a:bodyPr/>
+                    <a:lstStyle/>
+                    <a:p>
+                      <a:r>
+                        <a:t>23</a:t>
+                      </a:r>
+                    </a:p>
+                  </a:txBody>
+                  <a:tcPr/>
+                </a:tc>
+                <a:tc>
+                  <a:txBody>
+                    <a:bodyPr/>
+                    <a:lstStyle/>
+                    <a:p>
+                      <a:r>
+                        <a:t>7249141800037</a:t>
+                      </a:r>
+                    </a:p>
+                  </a:txBody>
+                  <a:tcPr/>
+                </a:tc>
+                <a:tc>
+                  <a:txBody>
+                    <a:bodyPr/>
+                    <a:lstStyle/>
+                    <a:p>
+                      <a:r>
+                        <a:t>PASS</a:t>
+                      </a:r>
+                    </a:p>
+                  </a:txBody>
+                  <a:tcPr/>
+                </a:tc>
+                <a:tc>
+                  <a:txBody>
+                    <a:bodyPr/>
+                    <a:lstStyle/>
+                    <a:p>
+                      <a:r>
+                        <a:t>-43</a:t>
+                      </a:r>
+                    </a:p>
+                  </a:txBody>
+                  <a:tcPr/>
+                </a:tc>
+                <a:tc>
+                  <a:txBody>
+                    <a:bodyPr/>
+                    <a:lstStyle/>
+                    <a:p>
+                      <a:r>
+                        <a:t>-46</a:t>
+                      </a:r>
+                    </a:p>
+                  </a:txBody>
+                  <a:tcPr/>
+                </a:tc>
+                <a:tc>
+                  <a:txBody>
+                    <a:bodyPr/>
+                    <a:lstStyle/>
+                    <a:p>
+                      <a:r>
+                        <a:t>-65</a:t>
+                      </a:r>
+                    </a:p>
+                  </a:txBody>
+                  <a:tcPr/>
+                </a:tc>
+              </a:tr>
+              <a:tr h="0">
+                <a:tc>
+                  <a:txBody>
+                    <a:bodyPr/>
+                    <a:lstStyle/>
+                    <a:p>
+                      <a:r>
+                        <a:t>24</a:t>
+                      </a:r>
+                    </a:p>
+                  </a:txBody>
+                  <a:tcPr/>
+                </a:tc>
+                <a:tc>
+                  <a:txBody>
+                    <a:bodyPr/>
+                    <a:lstStyle/>
+                    <a:p>
+                      <a:r>
+                        <a:t>7249141800038</a:t>
+                      </a:r>
+                    </a:p>
+                  </a:txBody>
+                  <a:tcPr/>
+                </a:tc>
+                <a:tc>
+                  <a:txBody>
+                    <a:bodyPr/>
+                    <a:lstStyle/>
+                    <a:p>
+                      <a:r>
+                        <a:t>PASS</a:t>
+                      </a:r>
+                    </a:p>
+                  </a:txBody>
+                  <a:tcPr/>
+                </a:tc>
+                <a:tc>
+                  <a:txBody>
+                    <a:bodyPr/>
+                    <a:lstStyle/>
+                    <a:p>
+                      <a:r>
+                        <a:t>-54</a:t>
+                      </a:r>
+                    </a:p>
+                  </a:txBody>
+                  <a:tcPr/>
+                </a:tc>
+                <a:tc>
+                  <a:txBody>
+                    <a:bodyPr/>
+                    <a:lstStyle/>
+                    <a:p>
+                      <a:r>
+                        <a:t>-49</a:t>
+                      </a:r>
+                    </a:p>
+                  </a:txBody>
+                  <a:tcPr/>
+                </a:tc>
+                <a:tc>
+                  <a:txBody>
+                    <a:bodyPr/>
+                    <a:lstStyle/>
+                    <a:p>
+                      <a:r>
+                        <a:t>-65</a:t>
+                      </a:r>
+                    </a:p>
+                  </a:txBody>
+                  <a:tcPr/>
+                </a:tc>
+              </a:tr>
+              <a:tr h="0">
+                <a:tc>
+                  <a:txBody>
+                    <a:bodyPr/>
+                    <a:lstStyle/>
+                    <a:p>
+                      <a:r>
+                        <a:t>25</a:t>
+                      </a:r>
+                    </a:p>
+                  </a:txBody>
+                  <a:tcPr/>
+                </a:tc>
+                <a:tc>
+                  <a:txBody>
+                    <a:bodyPr/>
+                    <a:lstStyle/>
+                    <a:p>
+                      <a:r>
+                        <a:t>7249141800042</a:t>
+                      </a:r>
+                    </a:p>
+                  </a:txBody>
+                  <a:tcPr/>
+                </a:tc>
+                <a:tc>
+                  <a:txBody>
+                    <a:bodyPr/>
+                    <a:lstStyle/>
+                    <a:p>
+                      <a:r>
+                        <a:t>PASS</a:t>
+                      </a:r>
+                    </a:p>
+                  </a:txBody>
+                  <a:tcPr/>
+                </a:tc>
+                <a:tc>
+                  <a:txBody>
+                    <a:bodyPr/>
+                    <a:lstStyle/>
+                    <a:p>
+                      <a:r>
+                        <a:t>-54</a:t>
+                      </a:r>
+                    </a:p>
+                  </a:txBody>
+                  <a:tcPr/>
+                </a:tc>
+                <a:tc>
+                  <a:txBody>
+                    <a:bodyPr/>
+                    <a:lstStyle/>
+                    <a:p>
+                      <a:r>
+                        <a:t>-62</a:t>
+                      </a:r>
+                    </a:p>
+                  </a:txBody>
+                  <a:tcPr/>
+                </a:tc>
+                <a:tc>
+                  <a:txBody>
+                    <a:bodyPr/>
+                    <a:lstStyle/>
+                    <a:p>
+                      <a:r>
+                        <a:t>-65</a:t>
+                      </a:r>
+                    </a:p>
+                  </a:txBody>
+                  <a:tcPr/>
+                </a:tc>
+              </a:tr>
+              <a:tr h="0">
+                <a:tc>
+                  <a:txBody>
+                    <a:bodyPr/>
+                    <a:lstStyle/>
+                    <a:p>
+                      <a:r>
+                        <a:t>26</a:t>
+                      </a:r>
+                    </a:p>
+                  </a:txBody>
+                  <a:tcPr/>
+                </a:tc>
+                <a:tc>
+                  <a:txBody>
+                    <a:bodyPr/>
+                    <a:lstStyle/>
+                    <a:p>
+                      <a:r>
+                        <a:t>7249141800044</a:t>
+                      </a:r>
+                    </a:p>
+                  </a:txBody>
+                  <a:tcPr/>
+                </a:tc>
+                <a:tc>
+                  <a:txBody>
+                    <a:bodyPr/>
+                    <a:lstStyle/>
+                    <a:p>
+                      <a:r>
+                        <a:t>PASS</a:t>
+                      </a:r>
+                    </a:p>
+                  </a:txBody>
+                  <a:tcPr/>
+                </a:tc>
+                <a:tc>
+                  <a:txBody>
+                    <a:bodyPr/>
+                    <a:lstStyle/>
+                    <a:p>
+                      <a:r>
+                        <a:t>-63</a:t>
+                      </a:r>
+                    </a:p>
+                  </a:txBody>
+                  <a:tcPr/>
+                </a:tc>
+                <a:tc>
+                  <a:txBody>
+                    <a:bodyPr/>
+                    <a:lstStyle/>
+                    <a:p>
+                      <a:r>
+                        <a:t>-64</a:t>
+                      </a:r>
+                    </a:p>
+                  </a:txBody>
+                  <a:tcPr/>
+                </a:tc>
+                <a:tc>
+                  <a:txBody>
+                    <a:bodyPr/>
+                    <a:lstStyle/>
+                    <a:p>
+                      <a:r>
+                        <a:t>-65</a:t>
+                      </a:r>
+                    </a:p>
+                  </a:txBody>
+                  <a:tcPr/>
+                </a:tc>
+              </a:tr>
+              <a:tr h="0">
+                <a:tc>
+                  <a:txBody>
+                    <a:bodyPr/>
+                    <a:lstStyle/>
+                    <a:p>
+                      <a:r>
+                        <a:t>27</a:t>
+                      </a:r>
+                    </a:p>
+                  </a:txBody>
+                  <a:tcPr/>
+                </a:tc>
+                <a:tc>
+                  <a:txBody>
+                    <a:bodyPr/>
+                    <a:lstStyle/>
+                    <a:p>
+                      <a:r>
+                        <a:t>7249141800045</a:t>
+                      </a:r>
+                    </a:p>
+                  </a:txBody>
+                  <a:tcPr/>
+                </a:tc>
+                <a:tc>
+                  <a:txBody>
+                    <a:bodyPr/>
+                    <a:lstStyle/>
+                    <a:p>
+                      <a:r>
+                        <a:t>PASS</a:t>
+                      </a:r>
+                    </a:p>
+                  </a:txBody>
+                  <a:tcPr/>
+                </a:tc>
+                <a:tc>
+                  <a:txBody>
+                    <a:bodyPr/>
+                    <a:lstStyle/>
+                    <a:p>
+                      <a:r>
+                        <a:t>-58</a:t>
+                      </a:r>
+                    </a:p>
+                  </a:txBody>
+                  <a:tcPr/>
+                </a:tc>
+                <a:tc>
+                  <a:txBody>
+                    <a:bodyPr/>
+                    <a:lstStyle/>
+                    <a:p>
+                      <a:r>
+                        <a:t>-55</a:t>
+                      </a:r>
+                    </a:p>
+                  </a:txBody>
+                  <a:tcPr/>
+                </a:tc>
+                <a:tc>
+                  <a:txBody>
+                    <a:bodyPr/>
+                    <a:lstStyle/>
+                    <a:p>
+                      <a:r>
+                        <a:t>-65</a:t>
+                      </a:r>
+                    </a:p>
+                  </a:txBody>
+                  <a:tcPr/>
+                </a:tc>
+              </a:tr>
+              <a:tr h="0">
+                <a:tc>
+                  <a:txBody>
+                    <a:bodyPr/>
+                    <a:lstStyle/>
+                    <a:p>
+                      <a:r>
+                        <a:t>28</a:t>
+                      </a:r>
+                    </a:p>
+                  </a:txBody>
+                  <a:tcPr/>
+                </a:tc>
+                <a:tc>
+                  <a:txBody>
+                    <a:bodyPr/>
+                    <a:lstStyle/>
+                    <a:p>
+                      <a:r>
+                        <a:t>7249141800046</a:t>
+                      </a:r>
+                    </a:p>
+                  </a:txBody>
+                  <a:tcPr/>
+                </a:tc>
+                <a:tc>
+                  <a:txBody>
+                    <a:bodyPr/>
+                    <a:lstStyle/>
+                    <a:p>
+                      <a:r>
+                        <a:t>PASS</a:t>
+                      </a:r>
+                    </a:p>
+                  </a:txBody>
+                  <a:tcPr/>
+                </a:tc>
+                <a:tc>
+                  <a:txBody>
+                    <a:bodyPr/>
+                    <a:lstStyle/>
+                    <a:p>
+                      <a:r>
+                        <a:t>-60</a:t>
+                      </a:r>
+                    </a:p>
+                  </a:txBody>
+                  <a:tcPr/>
+                </a:tc>
+                <a:tc>
+                  <a:txBody>
+                    <a:bodyPr/>
+                    <a:lstStyle/>
+                    <a:p>
+                      <a:r>
+                        <a:t>-64</a:t>
+                      </a:r>
+                    </a:p>
+                  </a:txBody>
+                  <a:tcPr/>
+                </a:tc>
+                <a:tc>
+                  <a:txBody>
+                    <a:bodyPr/>
+                    <a:lstStyle/>
+                    <a:p>
+                      <a:r>
+                        <a:t>-65</a:t>
+                      </a:r>
+                    </a:p>
+                  </a:txBody>
+                  <a:tcPr/>
+                </a:tc>
+              </a:tr>
+              <a:tr h="0">
+                <a:tc>
+                  <a:txBody>
+                    <a:bodyPr/>
+                    <a:lstStyle/>
+                    <a:p>
+                      <a:r>
+                        <a:t>29</a:t>
+                      </a:r>
+                    </a:p>
+                  </a:txBody>
+                  <a:tcPr/>
+                </a:tc>
+                <a:tc>
+                  <a:txBody>
+                    <a:bodyPr/>
+                    <a:lstStyle/>
+                    <a:p>
+                      <a:r>
+                        <a:t>7249141800047</a:t>
+                      </a:r>
+                    </a:p>
+                  </a:txBody>
+                  <a:tcPr/>
+                </a:tc>
+                <a:tc>
+                  <a:txBody>
+                    <a:bodyPr/>
+                    <a:lstStyle/>
+                    <a:p>
+                      <a:r>
+                        <a:t>PASS</a:t>
+                      </a:r>
+                    </a:p>
+                  </a:txBody>
+                  <a:tcPr/>
+                </a:tc>
+                <a:tc>
+                  <a:txBody>
+                    <a:bodyPr/>
+                    <a:lstStyle/>
+                    <a:p>
+                      <a:r>
+                        <a:t>-56</a:t>
+                      </a:r>
+                    </a:p>
+                  </a:txBody>
+                  <a:tcPr/>
+                </a:tc>
+                <a:tc>
+                  <a:txBody>
+                    <a:bodyPr/>
+                    <a:lstStyle/>
+                    <a:p>
+                      <a:r>
+                        <a:t>-49</a:t>
                       </a:r>
                     </a:p>
                   </a:txBody>

--- a/pptx/result/test.pptx
+++ b/pptx/result/test.pptx
@@ -63,7 +63,7 @@
         <p:txBody>
           <a:bodyPr/>
           <a:p>
-            <a:fld id="{F8EF3053-50B6-4607-954D-4C97BD519BA2}" type="slidenum">
+            <a:fld id="{BA3B2387-364E-4066-A88A-D006880317C6}" type="slidenum">
               <a:t>&lt;#&gt;</a:t>
             </a:fld>
           </a:p>
@@ -257,7 +257,7 @@
         <p:txBody>
           <a:bodyPr/>
           <a:p>
-            <a:fld id="{37542A71-D071-4265-A62F-8CB1A1FB58B1}" type="slidenum">
+            <a:fld id="{705DE7F6-805E-4E5A-BAFF-6A8B2236FC46}" type="slidenum">
               <a:t>&lt;#&gt;</a:t>
             </a:fld>
           </a:p>
@@ -525,7 +525,7 @@
         <p:txBody>
           <a:bodyPr/>
           <a:p>
-            <a:fld id="{85C87F53-1E08-4289-AC38-62744966AE66}" type="slidenum">
+            <a:fld id="{C2986ED5-3877-44C2-976C-C9729879B241}" type="slidenum">
               <a:t>&lt;#&gt;</a:t>
             </a:fld>
           </a:p>
@@ -867,7 +867,7 @@
         <p:txBody>
           <a:bodyPr/>
           <a:p>
-            <a:fld id="{A4FAD800-C657-4346-B96A-C09408073DA4}" type="slidenum">
+            <a:fld id="{DF836B72-E7AD-4D9B-87CF-E1BCA4532186}" type="slidenum">
               <a:t>&lt;#&gt;</a:t>
             </a:fld>
           </a:p>
@@ -1024,7 +1024,7 @@
         <p:txBody>
           <a:bodyPr/>
           <a:p>
-            <a:fld id="{661359F3-07A8-441F-954B-CBBB863AB1EA}" type="slidenum">
+            <a:fld id="{869BFEF1-A76F-4650-BBEA-C608578F4D61}" type="slidenum">
               <a:t>&lt;#&gt;</a:t>
             </a:fld>
           </a:p>
@@ -1181,7 +1181,7 @@
         <p:txBody>
           <a:bodyPr/>
           <a:p>
-            <a:fld id="{50E876D1-B335-44B2-93DB-53E79F96E7F5}" type="slidenum">
+            <a:fld id="{06C248CB-7EF6-4724-B79E-74D4CCB6EA49}" type="slidenum">
               <a:t>&lt;#&gt;</a:t>
             </a:fld>
           </a:p>
@@ -1375,7 +1375,7 @@
         <p:txBody>
           <a:bodyPr/>
           <a:p>
-            <a:fld id="{ED0C9CA4-6C9D-4163-B460-85656EBDB2B0}" type="slidenum">
+            <a:fld id="{1CE8DD35-86BC-47EA-A06F-B56418787216}" type="slidenum">
               <a:t>&lt;#&gt;</a:t>
             </a:fld>
           </a:p>
@@ -1495,7 +1495,7 @@
         <p:txBody>
           <a:bodyPr/>
           <a:p>
-            <a:fld id="{76E4F01D-2B65-4468-8A0D-B6D27AFE0450}" type="slidenum">
+            <a:fld id="{E487E20F-667A-46EE-A89F-4210DCF96A63}" type="slidenum">
               <a:t>&lt;#&gt;</a:t>
             </a:fld>
           </a:p>
@@ -1615,7 +1615,7 @@
         <p:txBody>
           <a:bodyPr/>
           <a:p>
-            <a:fld id="{C433D377-830A-495A-A00C-61EB59141472}" type="slidenum">
+            <a:fld id="{8DE0BB83-58BD-4291-B635-5C3D0BA82974}" type="slidenum">
               <a:t>&lt;#&gt;</a:t>
             </a:fld>
           </a:p>
@@ -1846,7 +1846,7 @@
         <p:txBody>
           <a:bodyPr/>
           <a:p>
-            <a:fld id="{C094E380-4265-4CFD-8DFB-816E100BF8E2}" type="slidenum">
+            <a:fld id="{0F5B9BF8-12D0-42C3-B833-90B593382E81}" type="slidenum">
               <a:t>&lt;#&gt;</a:t>
             </a:fld>
           </a:p>
@@ -2077,7 +2077,7 @@
         <p:txBody>
           <a:bodyPr/>
           <a:p>
-            <a:fld id="{54BAC896-9154-4A75-8E88-E2DB301007E1}" type="slidenum">
+            <a:fld id="{4A85FEC3-B14A-4192-BAC2-4EEF889714B9}" type="slidenum">
               <a:t>&lt;#&gt;</a:t>
             </a:fld>
           </a:p>
@@ -2308,7 +2308,7 @@
         <p:txBody>
           <a:bodyPr/>
           <a:p>
-            <a:fld id="{A883A5D4-9C22-43FE-AAC9-C85FF0AE8E9B}" type="slidenum">
+            <a:fld id="{D11DD192-3494-4973-B44A-DBDC8486D7A7}" type="slidenum">
               <a:t>&lt;#&gt;</a:t>
             </a:fld>
           </a:p>
@@ -2578,7 +2578,7 @@
               </a:lnSpc>
               <a:buNone/>
             </a:pPr>
-            <a:fld id="{87B862B0-5F23-4AE3-8BF4-6A3141437BCF}" type="slidenum">
+            <a:fld id="{D2B7FB08-99B8-47A5-B5FB-CE373DB4A9F5}" type="slidenum">
               <a:rPr b="0" lang="en-US" sz="1200" spc="-1" strike="noStrike">
                 <a:solidFill>
                   <a:srgbClr val="8b8b8b"/>

--- a/pptx/result/test.pptx
+++ b/pptx/result/test.pptx
@@ -2712,19 +2712,19 @@
         </p:nvGraphicFramePr>
         <p:xfrm>
           <a:off x="0" y="0"/>
-          <a:ext cx="7549920" cy="0"/>
+          <a:ext cx="7550400" cy="0"/>
         </p:xfrm>
         <a:graphic>
           <a:graphicData uri="http://schemas.openxmlformats.org/drawingml/2006/table">
             <a:tbl>
               <a:tblPr/>
               <a:tblGrid>
-                <a:gridCol w="699480"/>
-                <a:gridCol w="2071080"/>
-                <a:gridCol w="1766160"/>
-                <a:gridCol w="699480"/>
+                <a:gridCol w="699600"/>
+                <a:gridCol w="2071200"/>
+                <a:gridCol w="1766400"/>
+                <a:gridCol w="699600"/>
                 <a:gridCol w="547200"/>
-                <a:gridCol w="1766160"/>
+                <a:gridCol w="1766400"/>
               </a:tblGrid>
               <a:tr h="0">
                 <a:tc>
@@ -2738,6 +2738,7 @@
                           <a:spcPct val="100000"/>
                         </a:lnSpc>
                         <a:buNone/>
+                        <a:defRPr sz="1200"/>
                       </a:pPr>
                       <a:r>
                         <a:rPr b="0" lang="en-US" sz="1200" spc="-1" strike="noStrike">
@@ -2790,6 +2791,7 @@
                           <a:spcPct val="100000"/>
                         </a:lnSpc>
                         <a:buNone/>
+                        <a:defRPr sz="1200"/>
                       </a:pPr>
                       <a:r>
                         <a:rPr b="0" lang="en-US" sz="1200" spc="-1" strike="noStrike">
@@ -2842,6 +2844,7 @@
                           <a:spcPct val="100000"/>
                         </a:lnSpc>
                         <a:buNone/>
+                        <a:defRPr sz="1200"/>
                       </a:pPr>
                       <a:r>
                         <a:rPr b="0" lang="en-US" sz="1200" spc="-1" strike="noStrike">
@@ -2894,6 +2897,7 @@
                           <a:spcPct val="100000"/>
                         </a:lnSpc>
                         <a:buNone/>
+                        <a:defRPr sz="1200"/>
                       </a:pPr>
                       <a:r>
                         <a:rPr b="0" lang="en-US" sz="1200" spc="-1" strike="noStrike">
@@ -2946,6 +2950,7 @@
                           <a:spcPct val="100000"/>
                         </a:lnSpc>
                         <a:buNone/>
+                        <a:defRPr sz="1200"/>
                       </a:pPr>
                       <a:r>
                         <a:rPr b="0" lang="en-US" sz="1200" spc="-1" strike="noStrike">
@@ -2998,6 +3003,7 @@
                           <a:spcPct val="100000"/>
                         </a:lnSpc>
                         <a:buNone/>
+                        <a:defRPr sz="1200"/>
                       </a:pPr>
                       <a:r>
                         <a:rPr b="0" lang="en-US" sz="1200" spc="-1" strike="noStrike">
@@ -3052,6 +3058,7 @@
                           <a:spcPct val="100000"/>
                         </a:lnSpc>
                         <a:buNone/>
+                        <a:defRPr sz="1200"/>
                       </a:pPr>
                       <a:r>
                         <a:rPr b="0" lang="en-US" sz="1200" spc="-1" strike="noStrike">
@@ -3104,6 +3111,7 @@
                           <a:spcPct val="100000"/>
                         </a:lnSpc>
                         <a:buNone/>
+                        <a:defRPr sz="1200"/>
                       </a:pPr>
                       <a:r>
                         <a:rPr b="0" lang="en-US" sz="1200" spc="-1" strike="noStrike">
@@ -3156,6 +3164,7 @@
                           <a:spcPct val="100000"/>
                         </a:lnSpc>
                         <a:buNone/>
+                        <a:defRPr sz="1200"/>
                       </a:pPr>
                       <a:r>
                         <a:rPr b="0" lang="en-US" sz="1200" spc="-1" strike="noStrike">
@@ -3208,6 +3217,7 @@
                           <a:spcPct val="100000"/>
                         </a:lnSpc>
                         <a:buNone/>
+                        <a:defRPr sz="1200"/>
                       </a:pPr>
                       <a:r>
                         <a:rPr b="0" lang="en-US" sz="1200" spc="-1" strike="noStrike">
@@ -3260,6 +3270,7 @@
                           <a:spcPct val="100000"/>
                         </a:lnSpc>
                         <a:buNone/>
+                        <a:defRPr sz="1200"/>
                       </a:pPr>
                       <a:r>
                         <a:rPr b="0" lang="en-US" sz="1200" spc="-1" strike="noStrike">
@@ -3312,6 +3323,7 @@
                           <a:spcPct val="100000"/>
                         </a:lnSpc>
                         <a:buNone/>
+                        <a:defRPr sz="1200"/>
                       </a:pPr>
                       <a:r>
                         <a:rPr b="0" lang="en-US" sz="1200" spc="-1" strike="noStrike">
@@ -3366,6 +3378,7 @@
                           <a:spcPct val="100000"/>
                         </a:lnSpc>
                         <a:buNone/>
+                        <a:defRPr sz="1200"/>
                       </a:pPr>
                       <a:r>
                         <a:rPr b="0" lang="en-US" sz="1200" spc="-1" strike="noStrike">
@@ -3418,6 +3431,7 @@
                           <a:spcPct val="100000"/>
                         </a:lnSpc>
                         <a:buNone/>
+                        <a:defRPr sz="1200"/>
                       </a:pPr>
                       <a:r>
                         <a:rPr b="0" lang="en-US" sz="1200" spc="-1" strike="noStrike">
@@ -3470,6 +3484,7 @@
                           <a:spcPct val="100000"/>
                         </a:lnSpc>
                         <a:buNone/>
+                        <a:defRPr sz="1200"/>
                       </a:pPr>
                       <a:r>
                         <a:rPr b="1" i="1" lang="en-US" sz="1200" spc="-1" strike="noStrike">
@@ -3522,6 +3537,7 @@
                           <a:spcPct val="100000"/>
                         </a:lnSpc>
                         <a:buNone/>
+                        <a:defRPr sz="1200"/>
                       </a:pPr>
                       <a:r>
                         <a:rPr b="0" lang="en-US" sz="1200" spc="-1" strike="noStrike">
@@ -3574,6 +3590,7 @@
                           <a:spcPct val="100000"/>
                         </a:lnSpc>
                         <a:buNone/>
+                        <a:defRPr sz="1200"/>
                       </a:pPr>
                       <a:r>
                         <a:rPr b="0" lang="en-US" sz="1200" spc="-1" strike="noStrike">
@@ -3626,6 +3643,7 @@
                           <a:spcPct val="100000"/>
                         </a:lnSpc>
                         <a:buNone/>
+                        <a:defRPr sz="1200"/>
                       </a:pPr>
                       <a:r>
                         <a:rPr b="0" lang="en-US" sz="1200" spc="-1" strike="noStrike">
@@ -3680,6 +3698,7 @@
                           <a:spcPct val="100000"/>
                         </a:lnSpc>
                         <a:buNone/>
+                        <a:defRPr sz="1200"/>
                       </a:pPr>
                       <a:r>
                         <a:rPr b="0" lang="en-US" sz="1200" spc="-1" strike="noStrike">
@@ -3732,6 +3751,7 @@
                           <a:spcPct val="100000"/>
                         </a:lnSpc>
                         <a:buNone/>
+                        <a:defRPr sz="1200"/>
                       </a:pPr>
                       <a:r>
                         <a:rPr b="0" lang="en-US" sz="1200" spc="-1" strike="noStrike">
@@ -3784,6 +3804,7 @@
                           <a:spcPct val="100000"/>
                         </a:lnSpc>
                         <a:buNone/>
+                        <a:defRPr sz="1200"/>
                       </a:pPr>
                       <a:r>
                         <a:rPr b="0" lang="en-US" sz="1200" spc="-1" strike="noStrike">
@@ -3836,6 +3857,7 @@
                           <a:spcPct val="100000"/>
                         </a:lnSpc>
                         <a:buNone/>
+                        <a:defRPr sz="1200"/>
                       </a:pPr>
                       <a:r>
                         <a:rPr b="1" i="1" lang="en-US" sz="1200" spc="-1" strike="noStrike">
@@ -3888,6 +3910,7 @@
                           <a:spcPct val="100000"/>
                         </a:lnSpc>
                         <a:buNone/>
+                        <a:defRPr sz="1200"/>
                       </a:pPr>
                       <a:r>
                         <a:rPr b="0" lang="en-US" sz="1200" spc="-1" strike="noStrike">
@@ -3940,6 +3963,7 @@
                           <a:spcPct val="100000"/>
                         </a:lnSpc>
                         <a:buNone/>
+                        <a:defRPr sz="1200"/>
                       </a:pPr>
                       <a:r>
                         <a:rPr b="0" lang="en-US" sz="1200" spc="-1" strike="noStrike">
@@ -4003,6 +4027,7 @@
                           <a:spcPct val="100000"/>
                         </a:lnSpc>
                         <a:buNone/>
+                        <a:defRPr sz="1200"/>
                       </a:pPr>
                       <a:r>
                         <a:rPr b="0" lang="en-US" sz="1200" spc="-1" strike="noStrike">
@@ -4055,6 +4080,7 @@
                           <a:spcPct val="100000"/>
                         </a:lnSpc>
                         <a:buNone/>
+                        <a:defRPr sz="1200"/>
                       </a:pPr>
                       <a:r>
                         <a:rPr b="0" lang="en-US" sz="1200" spc="-1" strike="noStrike">
@@ -4107,6 +4133,7 @@
                           <a:spcPct val="100000"/>
                         </a:lnSpc>
                         <a:buNone/>
+                        <a:defRPr sz="1200"/>
                       </a:pPr>
                       <a:r>
                         <a:rPr b="0" lang="en-US" sz="1200" spc="-1" strike="noStrike">
@@ -4159,6 +4186,7 @@
                           <a:spcPct val="100000"/>
                         </a:lnSpc>
                         <a:buNone/>
+                        <a:defRPr sz="1200"/>
                       </a:pPr>
                       <a:r>
                         <a:rPr b="0" lang="en-US" sz="1200" spc="-1" strike="noStrike">
@@ -4211,6 +4239,7 @@
                           <a:spcPct val="100000"/>
                         </a:lnSpc>
                         <a:buNone/>
+                        <a:defRPr sz="1200"/>
                       </a:pPr>
                       <a:r>
                         <a:rPr b="0" lang="en-US" sz="1200" spc="-1" strike="noStrike">
@@ -4263,6 +4292,7 @@
                           <a:spcPct val="100000"/>
                         </a:lnSpc>
                         <a:buNone/>
+                        <a:defRPr sz="1200"/>
                       </a:pPr>
                       <a:r>
                         <a:rPr b="0" lang="en-US" sz="1200" spc="-1" strike="noStrike">
@@ -4317,6 +4347,7 @@
                           <a:spcPct val="100000"/>
                         </a:lnSpc>
                         <a:buNone/>
+                        <a:defRPr sz="1200"/>
                       </a:pPr>
                       <a:r>
                         <a:rPr b="0" lang="en-US" sz="1200" spc="-1" strike="noStrike">
@@ -4369,6 +4400,7 @@
                           <a:spcPct val="100000"/>
                         </a:lnSpc>
                         <a:buNone/>
+                        <a:defRPr sz="1200"/>
                       </a:pPr>
                       <a:r>
                         <a:rPr b="0" lang="en-US" sz="1200" spc="-1" strike="noStrike">
@@ -4421,6 +4453,7 @@
                           <a:spcPct val="100000"/>
                         </a:lnSpc>
                         <a:buNone/>
+                        <a:defRPr sz="1200"/>
                       </a:pPr>
                       <a:r>
                         <a:rPr b="0" lang="en-US" sz="1200" spc="-1" strike="noStrike">
@@ -4473,6 +4506,7 @@
                           <a:spcPct val="100000"/>
                         </a:lnSpc>
                         <a:buNone/>
+                        <a:defRPr sz="1200"/>
                       </a:pPr>
                       <a:r>
                         <a:rPr b="0" lang="en-US" sz="1200" spc="-1" strike="noStrike">
@@ -4525,6 +4559,7 @@
                           <a:spcPct val="100000"/>
                         </a:lnSpc>
                         <a:buNone/>
+                        <a:defRPr sz="1200"/>
                       </a:pPr>
                       <a:r>
                         <a:rPr b="0" lang="en-US" sz="1200" spc="-1" strike="noStrike">
@@ -4577,6 +4612,7 @@
                           <a:spcPct val="100000"/>
                         </a:lnSpc>
                         <a:buNone/>
+                        <a:defRPr sz="1200"/>
                       </a:pPr>
                       <a:r>
                         <a:rPr b="0" lang="en-US" sz="1200" spc="-1" strike="noStrike">
@@ -14063,6 +14099,1428 @@
                       <a:srgbClr val="d0d8e7"/>
                     </a:solidFill>
                   </a:tcPr>
+                </a:tc>
+              </a:tr>
+            </a:tbl>
+          </a:graphicData>
+        </a:graphic>
+      </p:graphicFrame>
+      <p:graphicFrame>
+        <p:nvGraphicFramePr>
+          <p:cNvPr id="44" name="Table 43"/>
+          <p:cNvGraphicFramePr>
+            <a:graphicFrameLocks noGrp="1"/>
+          </p:cNvGraphicFramePr>
+          <p:nvPr/>
+        </p:nvGraphicFramePr>
+        <p:xfrm>
+          <a:off x="0" y="0"/>
+          <a:ext cx="0" cy="0"/>
+        </p:xfrm>
+        <a:graphic>
+          <a:graphicData uri="http://schemas.openxmlformats.org/drawingml/2006/table">
+            <a:tbl>
+              <a:tblPr firstRow="1" bandRow="1">
+                <a:tableStyleId>{5C22544A-7EE6-4342-B048-85BDC9FD1C3A}</a:tableStyleId>
+              </a:tblPr>
+              <a:tblGrid>
+                <a:gridCol w="0"/>
+                <a:gridCol w="0"/>
+                <a:gridCol w="0"/>
+                <a:gridCol w="0"/>
+                <a:gridCol w="0"/>
+                <a:gridCol w="0"/>
+              </a:tblGrid>
+              <a:tr h="0">
+                <a:tc>
+                  <a:txBody>
+                    <a:bodyPr/>
+                    <a:lstStyle/>
+                    <a:p>
+                      <a:r>
+                        <a:t>Item</a:t>
+                      </a:r>
+                    </a:p>
+                  </a:txBody>
+                  <a:tcPr/>
+                </a:tc>
+                <a:tc>
+                  <a:txBody>
+                    <a:bodyPr/>
+                    <a:lstStyle/>
+                    <a:p>
+                      <a:r>
+                        <a:t>UNIT PN</a:t>
+                      </a:r>
+                    </a:p>
+                  </a:txBody>
+                  <a:tcPr/>
+                </a:tc>
+                <a:tc>
+                  <a:txBody>
+                    <a:bodyPr/>
+                    <a:lstStyle/>
+                    <a:p>
+                      <a:r>
+                        <a:t>Test Result</a:t>
+                      </a:r>
+                    </a:p>
+                  </a:txBody>
+                  <a:tcPr/>
+                </a:tc>
+                <a:tc>
+                  <a:txBody>
+                    <a:bodyPr/>
+                    <a:lstStyle/>
+                    <a:p>
+                      <a:r>
+                        <a:t>Main</a:t>
+                      </a:r>
+                    </a:p>
+                  </a:txBody>
+                  <a:tcPr/>
+                </a:tc>
+                <a:tc>
+                  <a:txBody>
+                    <a:bodyPr/>
+                    <a:lstStyle/>
+                    <a:p>
+                      <a:r>
+                        <a:t>Aux</a:t>
+                      </a:r>
+                    </a:p>
+                  </a:txBody>
+                  <a:tcPr/>
+                </a:tc>
+                <a:tc>
+                  <a:txBody>
+                    <a:bodyPr/>
+                    <a:lstStyle/>
+                    <a:p>
+                      <a:r>
+                        <a:t>Spec</a:t>
+                      </a:r>
+                    </a:p>
+                  </a:txBody>
+                  <a:tcPr/>
+                </a:tc>
+              </a:tr>
+              <a:tr h="0">
+                <a:tc>
+                  <a:txBody>
+                    <a:bodyPr/>
+                    <a:lstStyle/>
+                    <a:p>
+                      <a:r>
+                        <a:t>1</a:t>
+                      </a:r>
+                    </a:p>
+                  </a:txBody>
+                  <a:tcPr/>
+                </a:tc>
+                <a:tc>
+                  <a:txBody>
+                    <a:bodyPr/>
+                    <a:lstStyle/>
+                    <a:p>
+                      <a:r>
+                        <a:t>7249141700002</a:t>
+                      </a:r>
+                    </a:p>
+                  </a:txBody>
+                  <a:tcPr/>
+                </a:tc>
+                <a:tc>
+                  <a:txBody>
+                    <a:bodyPr/>
+                    <a:lstStyle/>
+                    <a:p>
+                      <a:r>
+                        <a:t>PASS</a:t>
+                      </a:r>
+                    </a:p>
+                  </a:txBody>
+                  <a:tcPr/>
+                </a:tc>
+                <a:tc>
+                  <a:txBody>
+                    <a:bodyPr/>
+                    <a:lstStyle/>
+                    <a:p>
+                      <a:r>
+                        <a:t>-62</a:t>
+                      </a:r>
+                    </a:p>
+                  </a:txBody>
+                  <a:tcPr/>
+                </a:tc>
+                <a:tc>
+                  <a:txBody>
+                    <a:bodyPr/>
+                    <a:lstStyle/>
+                    <a:p>
+                      <a:r>
+                        <a:t>-57</a:t>
+                      </a:r>
+                    </a:p>
+                  </a:txBody>
+                  <a:tcPr/>
+                </a:tc>
+                <a:tc>
+                  <a:txBody>
+                    <a:bodyPr/>
+                    <a:lstStyle/>
+                    <a:p>
+                      <a:r>
+                        <a:t>-65</a:t>
+                      </a:r>
+                    </a:p>
+                  </a:txBody>
+                  <a:tcPr/>
+                </a:tc>
+              </a:tr>
+              <a:tr h="0">
+                <a:tc>
+                  <a:txBody>
+                    <a:bodyPr/>
+                    <a:lstStyle/>
+                    <a:p>
+                      <a:r>
+                        <a:t>2</a:t>
+                      </a:r>
+                    </a:p>
+                  </a:txBody>
+                  <a:tcPr/>
+                </a:tc>
+                <a:tc>
+                  <a:txBody>
+                    <a:bodyPr/>
+                    <a:lstStyle/>
+                    <a:p>
+                      <a:r>
+                        <a:t>7249141700003</a:t>
+                      </a:r>
+                    </a:p>
+                  </a:txBody>
+                  <a:tcPr/>
+                </a:tc>
+                <a:tc>
+                  <a:txBody>
+                    <a:bodyPr/>
+                    <a:lstStyle/>
+                    <a:p>
+                      <a:r>
+                        <a:t>PASS</a:t>
+                      </a:r>
+                    </a:p>
+                  </a:txBody>
+                  <a:tcPr/>
+                </a:tc>
+                <a:tc>
+                  <a:txBody>
+                    <a:bodyPr/>
+                    <a:lstStyle/>
+                    <a:p>
+                      <a:r>
+                        <a:t>-56</a:t>
+                      </a:r>
+                    </a:p>
+                  </a:txBody>
+                  <a:tcPr/>
+                </a:tc>
+                <a:tc>
+                  <a:txBody>
+                    <a:bodyPr/>
+                    <a:lstStyle/>
+                    <a:p>
+                      <a:r>
+                        <a:t>-57</a:t>
+                      </a:r>
+                    </a:p>
+                  </a:txBody>
+                  <a:tcPr/>
+                </a:tc>
+                <a:tc>
+                  <a:txBody>
+                    <a:bodyPr/>
+                    <a:lstStyle/>
+                    <a:p>
+                      <a:r>
+                        <a:t>-65</a:t>
+                      </a:r>
+                    </a:p>
+                  </a:txBody>
+                  <a:tcPr/>
+                </a:tc>
+              </a:tr>
+              <a:tr h="0">
+                <a:tc>
+                  <a:txBody>
+                    <a:bodyPr/>
+                    <a:lstStyle/>
+                    <a:p>
+                      <a:r>
+                        <a:t>3</a:t>
+                      </a:r>
+                    </a:p>
+                  </a:txBody>
+                  <a:tcPr/>
+                </a:tc>
+                <a:tc>
+                  <a:txBody>
+                    <a:bodyPr/>
+                    <a:lstStyle/>
+                    <a:p>
+                      <a:r>
+                        <a:t>7249141700005</a:t>
+                      </a:r>
+                    </a:p>
+                  </a:txBody>
+                  <a:tcPr/>
+                </a:tc>
+                <a:tc>
+                  <a:txBody>
+                    <a:bodyPr/>
+                    <a:lstStyle/>
+                    <a:p>
+                      <a:r>
+                        <a:t>PASS</a:t>
+                      </a:r>
+                    </a:p>
+                  </a:txBody>
+                  <a:tcPr/>
+                </a:tc>
+                <a:tc>
+                  <a:txBody>
+                    <a:bodyPr/>
+                    <a:lstStyle/>
+                    <a:p>
+                      <a:r>
+                        <a:t>-52</a:t>
+                      </a:r>
+                    </a:p>
+                  </a:txBody>
+                  <a:tcPr/>
+                </a:tc>
+                <a:tc>
+                  <a:txBody>
+                    <a:bodyPr/>
+                    <a:lstStyle/>
+                    <a:p>
+                      <a:r>
+                        <a:t>-53</a:t>
+                      </a:r>
+                    </a:p>
+                  </a:txBody>
+                  <a:tcPr/>
+                </a:tc>
+                <a:tc>
+                  <a:txBody>
+                    <a:bodyPr/>
+                    <a:lstStyle/>
+                    <a:p>
+                      <a:r>
+                        <a:t>-65asdfasdf</a:t>
+                      </a:r>
+                    </a:p>
+                  </a:txBody>
+                  <a:tcPr/>
+                </a:tc>
+              </a:tr>
+              <a:tr h="0">
+                <a:tc>
+                  <a:txBody>
+                    <a:bodyPr/>
+                    <a:lstStyle/>
+                    <a:p>
+                      <a:r>
+                        <a:t>4</a:t>
+                      </a:r>
+                    </a:p>
+                  </a:txBody>
+                  <a:tcPr/>
+                </a:tc>
+                <a:tc>
+                  <a:txBody>
+                    <a:bodyPr/>
+                    <a:lstStyle/>
+                    <a:p>
+                      <a:r>
+                        <a:t>7249141700008</a:t>
+                      </a:r>
+                    </a:p>
+                  </a:txBody>
+                  <a:tcPr/>
+                </a:tc>
+                <a:tc>
+                  <a:txBody>
+                    <a:bodyPr/>
+                    <a:lstStyle/>
+                    <a:p>
+                      <a:r>
+                        <a:t>PASS</a:t>
+                      </a:r>
+                    </a:p>
+                  </a:txBody>
+                  <a:tcPr/>
+                </a:tc>
+                <a:tc>
+                  <a:txBody>
+                    <a:bodyPr/>
+                    <a:lstStyle/>
+                    <a:p>
+                      <a:r>
+                        <a:t>-52</a:t>
+                      </a:r>
+                    </a:p>
+                  </a:txBody>
+                  <a:tcPr/>
+                </a:tc>
+                <a:tc>
+                  <a:txBody>
+                    <a:bodyPr/>
+                    <a:lstStyle/>
+                    <a:p>
+                      <a:r>
+                        <a:t>-53</a:t>
+                      </a:r>
+                    </a:p>
+                  </a:txBody>
+                  <a:tcPr/>
+                </a:tc>
+                <a:tc>
+                  <a:txBody>
+                    <a:bodyPr/>
+                    <a:lstStyle/>
+                    <a:p>
+                      <a:r>
+                        <a:t>-65</a:t>
+                      </a:r>
+                    </a:p>
+                  </a:txBody>
+                  <a:tcPr/>
+                </a:tc>
+              </a:tr>
+              <a:tr h="0">
+                <a:tc>
+                  <a:txBody>
+                    <a:bodyPr/>
+                    <a:lstStyle/>
+                    <a:p>
+                      <a:r>
+                        <a:t>5</a:t>
+                      </a:r>
+                    </a:p>
+                  </a:txBody>
+                  <a:tcPr/>
+                </a:tc>
+                <a:tc>
+                  <a:txBody>
+                    <a:bodyPr/>
+                    <a:lstStyle/>
+                    <a:p>
+                      <a:r>
+                        <a:t>7249141700009</a:t>
+                      </a:r>
+                    </a:p>
+                  </a:txBody>
+                  <a:tcPr/>
+                </a:tc>
+                <a:tc>
+                  <a:txBody>
+                    <a:bodyPr/>
+                    <a:lstStyle/>
+                    <a:p>
+                      <a:r>
+                        <a:t>PASS</a:t>
+                      </a:r>
+                    </a:p>
+                  </a:txBody>
+                  <a:tcPr/>
+                </a:tc>
+                <a:tc>
+                  <a:txBody>
+                    <a:bodyPr/>
+                    <a:lstStyle/>
+                    <a:p>
+                      <a:r>
+                        <a:t>-45</a:t>
+                      </a:r>
+                    </a:p>
+                  </a:txBody>
+                  <a:tcPr/>
+                </a:tc>
+                <a:tc>
+                  <a:txBody>
+                    <a:bodyPr/>
+                    <a:lstStyle/>
+                    <a:p>
+                      <a:r>
+                        <a:t>-52</a:t>
+                      </a:r>
+                    </a:p>
+                  </a:txBody>
+                  <a:tcPr/>
+                </a:tc>
+                <a:tc>
+                  <a:txBody>
+                    <a:bodyPr/>
+                    <a:lstStyle/>
+                    <a:p>
+                      <a:r>
+                        <a:t>-65</a:t>
+                      </a:r>
+                    </a:p>
+                  </a:txBody>
+                  <a:tcPr/>
+                </a:tc>
+              </a:tr>
+            </a:tbl>
+          </a:graphicData>
+        </a:graphic>
+      </p:graphicFrame>
+      <p:graphicFrame>
+        <p:nvGraphicFramePr>
+          <p:cNvPr id="45" name="Table 44"/>
+          <p:cNvGraphicFramePr>
+            <a:graphicFrameLocks noGrp="1"/>
+          </p:cNvGraphicFramePr>
+          <p:nvPr/>
+        </p:nvGraphicFramePr>
+        <p:xfrm>
+          <a:off x="0" y="0"/>
+          <a:ext cx="0" cy="0"/>
+        </p:xfrm>
+        <a:graphic>
+          <a:graphicData uri="http://schemas.openxmlformats.org/drawingml/2006/table">
+            <a:tbl>
+              <a:tblPr firstRow="1" bandRow="1">
+                <a:tableStyleId>{5C22544A-7EE6-4342-B048-85BDC9FD1C3A}</a:tableStyleId>
+              </a:tblPr>
+              <a:tblGrid>
+                <a:gridCol w="0"/>
+                <a:gridCol w="0"/>
+                <a:gridCol w="0"/>
+                <a:gridCol w="0"/>
+                <a:gridCol w="0"/>
+                <a:gridCol w="0"/>
+              </a:tblGrid>
+              <a:tr h="0">
+                <a:tc>
+                  <a:txBody>
+                    <a:bodyPr/>
+                    <a:lstStyle/>
+                    <a:p>
+                      <a:r>
+                        <a:t>Item</a:t>
+                      </a:r>
+                    </a:p>
+                  </a:txBody>
+                  <a:tcPr/>
+                </a:tc>
+                <a:tc>
+                  <a:txBody>
+                    <a:bodyPr/>
+                    <a:lstStyle/>
+                    <a:p>
+                      <a:r>
+                        <a:t>UNIT PN</a:t>
+                      </a:r>
+                    </a:p>
+                  </a:txBody>
+                  <a:tcPr/>
+                </a:tc>
+                <a:tc>
+                  <a:txBody>
+                    <a:bodyPr/>
+                    <a:lstStyle/>
+                    <a:p>
+                      <a:r>
+                        <a:t>Test Result</a:t>
+                      </a:r>
+                    </a:p>
+                  </a:txBody>
+                  <a:tcPr/>
+                </a:tc>
+                <a:tc>
+                  <a:txBody>
+                    <a:bodyPr/>
+                    <a:lstStyle/>
+                    <a:p>
+                      <a:r>
+                        <a:t>Main</a:t>
+                      </a:r>
+                    </a:p>
+                  </a:txBody>
+                  <a:tcPr/>
+                </a:tc>
+                <a:tc>
+                  <a:txBody>
+                    <a:bodyPr/>
+                    <a:lstStyle/>
+                    <a:p>
+                      <a:r>
+                        <a:t>Aux</a:t>
+                      </a:r>
+                    </a:p>
+                  </a:txBody>
+                  <a:tcPr/>
+                </a:tc>
+                <a:tc>
+                  <a:txBody>
+                    <a:bodyPr/>
+                    <a:lstStyle/>
+                    <a:p>
+                      <a:r>
+                        <a:t>Spec</a:t>
+                      </a:r>
+                    </a:p>
+                  </a:txBody>
+                  <a:tcPr/>
+                </a:tc>
+              </a:tr>
+              <a:tr h="0">
+                <a:tc>
+                  <a:txBody>
+                    <a:bodyPr/>
+                    <a:lstStyle/>
+                    <a:p>
+                      <a:r>
+                        <a:t>1</a:t>
+                      </a:r>
+                    </a:p>
+                  </a:txBody>
+                  <a:tcPr/>
+                </a:tc>
+                <a:tc>
+                  <a:txBody>
+                    <a:bodyPr/>
+                    <a:lstStyle/>
+                    <a:p>
+                      <a:r>
+                        <a:t>7249141700002</a:t>
+                      </a:r>
+                    </a:p>
+                  </a:txBody>
+                  <a:tcPr/>
+                </a:tc>
+                <a:tc>
+                  <a:txBody>
+                    <a:bodyPr/>
+                    <a:lstStyle/>
+                    <a:p>
+                      <a:r>
+                        <a:t>PASS</a:t>
+                      </a:r>
+                    </a:p>
+                  </a:txBody>
+                  <a:tcPr/>
+                </a:tc>
+                <a:tc>
+                  <a:txBody>
+                    <a:bodyPr/>
+                    <a:lstStyle/>
+                    <a:p>
+                      <a:r>
+                        <a:t>-62</a:t>
+                      </a:r>
+                    </a:p>
+                  </a:txBody>
+                  <a:tcPr/>
+                </a:tc>
+                <a:tc>
+                  <a:txBody>
+                    <a:bodyPr/>
+                    <a:lstStyle/>
+                    <a:p>
+                      <a:r>
+                        <a:t>-57</a:t>
+                      </a:r>
+                    </a:p>
+                  </a:txBody>
+                  <a:tcPr/>
+                </a:tc>
+                <a:tc>
+                  <a:txBody>
+                    <a:bodyPr/>
+                    <a:lstStyle/>
+                    <a:p>
+                      <a:r>
+                        <a:t>-65</a:t>
+                      </a:r>
+                    </a:p>
+                  </a:txBody>
+                  <a:tcPr/>
+                </a:tc>
+              </a:tr>
+              <a:tr h="0">
+                <a:tc>
+                  <a:txBody>
+                    <a:bodyPr/>
+                    <a:lstStyle/>
+                    <a:p>
+                      <a:r>
+                        <a:t>2</a:t>
+                      </a:r>
+                    </a:p>
+                  </a:txBody>
+                  <a:tcPr/>
+                </a:tc>
+                <a:tc>
+                  <a:txBody>
+                    <a:bodyPr/>
+                    <a:lstStyle/>
+                    <a:p>
+                      <a:r>
+                        <a:t>7249141700003</a:t>
+                      </a:r>
+                    </a:p>
+                  </a:txBody>
+                  <a:tcPr/>
+                </a:tc>
+                <a:tc>
+                  <a:txBody>
+                    <a:bodyPr/>
+                    <a:lstStyle/>
+                    <a:p>
+                      <a:r>
+                        <a:t>PASS</a:t>
+                      </a:r>
+                    </a:p>
+                  </a:txBody>
+                  <a:tcPr/>
+                </a:tc>
+                <a:tc>
+                  <a:txBody>
+                    <a:bodyPr/>
+                    <a:lstStyle/>
+                    <a:p>
+                      <a:r>
+                        <a:t>-56</a:t>
+                      </a:r>
+                    </a:p>
+                  </a:txBody>
+                  <a:tcPr/>
+                </a:tc>
+                <a:tc>
+                  <a:txBody>
+                    <a:bodyPr/>
+                    <a:lstStyle/>
+                    <a:p>
+                      <a:r>
+                        <a:t>-57</a:t>
+                      </a:r>
+                    </a:p>
+                  </a:txBody>
+                  <a:tcPr/>
+                </a:tc>
+                <a:tc>
+                  <a:txBody>
+                    <a:bodyPr/>
+                    <a:lstStyle/>
+                    <a:p>
+                      <a:r>
+                        <a:t>-65</a:t>
+                      </a:r>
+                    </a:p>
+                  </a:txBody>
+                  <a:tcPr/>
+                </a:tc>
+              </a:tr>
+              <a:tr h="0">
+                <a:tc>
+                  <a:txBody>
+                    <a:bodyPr/>
+                    <a:lstStyle/>
+                    <a:p>
+                      <a:r>
+                        <a:t>3</a:t>
+                      </a:r>
+                    </a:p>
+                  </a:txBody>
+                  <a:tcPr/>
+                </a:tc>
+                <a:tc>
+                  <a:txBody>
+                    <a:bodyPr/>
+                    <a:lstStyle/>
+                    <a:p>
+                      <a:r>
+                        <a:t>7249141700005</a:t>
+                      </a:r>
+                    </a:p>
+                  </a:txBody>
+                  <a:tcPr/>
+                </a:tc>
+                <a:tc>
+                  <a:txBody>
+                    <a:bodyPr/>
+                    <a:lstStyle/>
+                    <a:p>
+                      <a:r>
+                        <a:t>PASS</a:t>
+                      </a:r>
+                    </a:p>
+                  </a:txBody>
+                  <a:tcPr/>
+                </a:tc>
+                <a:tc>
+                  <a:txBody>
+                    <a:bodyPr/>
+                    <a:lstStyle/>
+                    <a:p>
+                      <a:r>
+                        <a:t>-52</a:t>
+                      </a:r>
+                    </a:p>
+                  </a:txBody>
+                  <a:tcPr/>
+                </a:tc>
+                <a:tc>
+                  <a:txBody>
+                    <a:bodyPr/>
+                    <a:lstStyle/>
+                    <a:p>
+                      <a:r>
+                        <a:t>-53</a:t>
+                      </a:r>
+                    </a:p>
+                  </a:txBody>
+                  <a:tcPr/>
+                </a:tc>
+                <a:tc>
+                  <a:txBody>
+                    <a:bodyPr/>
+                    <a:lstStyle/>
+                    <a:p>
+                      <a:r>
+                        <a:t>-65asdfasdf</a:t>
+                      </a:r>
+                    </a:p>
+                  </a:txBody>
+                  <a:tcPr/>
+                </a:tc>
+              </a:tr>
+              <a:tr h="0">
+                <a:tc>
+                  <a:txBody>
+                    <a:bodyPr/>
+                    <a:lstStyle/>
+                    <a:p>
+                      <a:r>
+                        <a:t>4</a:t>
+                      </a:r>
+                    </a:p>
+                  </a:txBody>
+                  <a:tcPr/>
+                </a:tc>
+                <a:tc>
+                  <a:txBody>
+                    <a:bodyPr/>
+                    <a:lstStyle/>
+                    <a:p>
+                      <a:r>
+                        <a:t>7249141700008</a:t>
+                      </a:r>
+                    </a:p>
+                  </a:txBody>
+                  <a:tcPr/>
+                </a:tc>
+                <a:tc>
+                  <a:txBody>
+                    <a:bodyPr/>
+                    <a:lstStyle/>
+                    <a:p>
+                      <a:r>
+                        <a:t>PASS</a:t>
+                      </a:r>
+                    </a:p>
+                  </a:txBody>
+                  <a:tcPr/>
+                </a:tc>
+                <a:tc>
+                  <a:txBody>
+                    <a:bodyPr/>
+                    <a:lstStyle/>
+                    <a:p>
+                      <a:r>
+                        <a:t>-52</a:t>
+                      </a:r>
+                    </a:p>
+                  </a:txBody>
+                  <a:tcPr/>
+                </a:tc>
+                <a:tc>
+                  <a:txBody>
+                    <a:bodyPr/>
+                    <a:lstStyle/>
+                    <a:p>
+                      <a:r>
+                        <a:t>-53</a:t>
+                      </a:r>
+                    </a:p>
+                  </a:txBody>
+                  <a:tcPr/>
+                </a:tc>
+                <a:tc>
+                  <a:txBody>
+                    <a:bodyPr/>
+                    <a:lstStyle/>
+                    <a:p>
+                      <a:r>
+                        <a:t>-65</a:t>
+                      </a:r>
+                    </a:p>
+                  </a:txBody>
+                  <a:tcPr/>
+                </a:tc>
+              </a:tr>
+              <a:tr h="0">
+                <a:tc>
+                  <a:txBody>
+                    <a:bodyPr/>
+                    <a:lstStyle/>
+                    <a:p>
+                      <a:r>
+                        <a:t>5</a:t>
+                      </a:r>
+                    </a:p>
+                  </a:txBody>
+                  <a:tcPr/>
+                </a:tc>
+                <a:tc>
+                  <a:txBody>
+                    <a:bodyPr/>
+                    <a:lstStyle/>
+                    <a:p>
+                      <a:r>
+                        <a:t>7249141700009</a:t>
+                      </a:r>
+                    </a:p>
+                  </a:txBody>
+                  <a:tcPr/>
+                </a:tc>
+                <a:tc>
+                  <a:txBody>
+                    <a:bodyPr/>
+                    <a:lstStyle/>
+                    <a:p>
+                      <a:r>
+                        <a:t>PASS</a:t>
+                      </a:r>
+                    </a:p>
+                  </a:txBody>
+                  <a:tcPr/>
+                </a:tc>
+                <a:tc>
+                  <a:txBody>
+                    <a:bodyPr/>
+                    <a:lstStyle/>
+                    <a:p>
+                      <a:r>
+                        <a:t>-45</a:t>
+                      </a:r>
+                    </a:p>
+                  </a:txBody>
+                  <a:tcPr/>
+                </a:tc>
+                <a:tc>
+                  <a:txBody>
+                    <a:bodyPr/>
+                    <a:lstStyle/>
+                    <a:p>
+                      <a:r>
+                        <a:t>-52</a:t>
+                      </a:r>
+                    </a:p>
+                  </a:txBody>
+                  <a:tcPr/>
+                </a:tc>
+                <a:tc>
+                  <a:txBody>
+                    <a:bodyPr/>
+                    <a:lstStyle/>
+                    <a:p>
+                      <a:r>
+                        <a:t>-65</a:t>
+                      </a:r>
+                    </a:p>
+                  </a:txBody>
+                  <a:tcPr/>
+                </a:tc>
+              </a:tr>
+            </a:tbl>
+          </a:graphicData>
+        </a:graphic>
+      </p:graphicFrame>
+      <p:graphicFrame>
+        <p:nvGraphicFramePr>
+          <p:cNvPr id="46" name="Table 45"/>
+          <p:cNvGraphicFramePr>
+            <a:graphicFrameLocks noGrp="1"/>
+          </p:cNvGraphicFramePr>
+          <p:nvPr/>
+        </p:nvGraphicFramePr>
+        <p:xfrm>
+          <a:off x="0" y="0"/>
+          <a:ext cx="0" cy="0"/>
+        </p:xfrm>
+        <a:graphic>
+          <a:graphicData uri="http://schemas.openxmlformats.org/drawingml/2006/table">
+            <a:tbl>
+              <a:tblPr firstRow="1" bandRow="1">
+                <a:tableStyleId>{5C22544A-7EE6-4342-B048-85BDC9FD1C3A}</a:tableStyleId>
+              </a:tblPr>
+              <a:tblGrid>
+                <a:gridCol w="0"/>
+                <a:gridCol w="0"/>
+                <a:gridCol w="0"/>
+                <a:gridCol w="0"/>
+                <a:gridCol w="0"/>
+                <a:gridCol w="0"/>
+              </a:tblGrid>
+              <a:tr h="0">
+                <a:tc>
+                  <a:txBody>
+                    <a:bodyPr/>
+                    <a:lstStyle/>
+                    <a:p>
+                      <a:r>
+                        <a:t>Item</a:t>
+                      </a:r>
+                    </a:p>
+                  </a:txBody>
+                  <a:tcPr/>
+                </a:tc>
+                <a:tc>
+                  <a:txBody>
+                    <a:bodyPr/>
+                    <a:lstStyle/>
+                    <a:p>
+                      <a:r>
+                        <a:t>UNIT PN</a:t>
+                      </a:r>
+                    </a:p>
+                  </a:txBody>
+                  <a:tcPr/>
+                </a:tc>
+                <a:tc>
+                  <a:txBody>
+                    <a:bodyPr/>
+                    <a:lstStyle/>
+                    <a:p>
+                      <a:r>
+                        <a:t>Test Result</a:t>
+                      </a:r>
+                    </a:p>
+                  </a:txBody>
+                  <a:tcPr/>
+                </a:tc>
+                <a:tc>
+                  <a:txBody>
+                    <a:bodyPr/>
+                    <a:lstStyle/>
+                    <a:p>
+                      <a:r>
+                        <a:t>Main</a:t>
+                      </a:r>
+                    </a:p>
+                  </a:txBody>
+                  <a:tcPr/>
+                </a:tc>
+                <a:tc>
+                  <a:txBody>
+                    <a:bodyPr/>
+                    <a:lstStyle/>
+                    <a:p>
+                      <a:r>
+                        <a:t>Aux</a:t>
+                      </a:r>
+                    </a:p>
+                  </a:txBody>
+                  <a:tcPr/>
+                </a:tc>
+                <a:tc>
+                  <a:txBody>
+                    <a:bodyPr/>
+                    <a:lstStyle/>
+                    <a:p>
+                      <a:r>
+                        <a:t>Spec</a:t>
+                      </a:r>
+                    </a:p>
+                  </a:txBody>
+                  <a:tcPr/>
+                </a:tc>
+              </a:tr>
+              <a:tr h="0">
+                <a:tc>
+                  <a:txBody>
+                    <a:bodyPr/>
+                    <a:lstStyle/>
+                    <a:p>
+                      <a:r>
+                        <a:t>1</a:t>
+                      </a:r>
+                    </a:p>
+                  </a:txBody>
+                  <a:tcPr/>
+                </a:tc>
+                <a:tc>
+                  <a:txBody>
+                    <a:bodyPr/>
+                    <a:lstStyle/>
+                    <a:p>
+                      <a:r>
+                        <a:t>7249141700002</a:t>
+                      </a:r>
+                    </a:p>
+                  </a:txBody>
+                  <a:tcPr/>
+                </a:tc>
+                <a:tc>
+                  <a:txBody>
+                    <a:bodyPr/>
+                    <a:lstStyle/>
+                    <a:p>
+                      <a:r>
+                        <a:t>PASS</a:t>
+                      </a:r>
+                    </a:p>
+                  </a:txBody>
+                  <a:tcPr/>
+                </a:tc>
+                <a:tc>
+                  <a:txBody>
+                    <a:bodyPr/>
+                    <a:lstStyle/>
+                    <a:p>
+                      <a:r>
+                        <a:t>-62</a:t>
+                      </a:r>
+                    </a:p>
+                  </a:txBody>
+                  <a:tcPr/>
+                </a:tc>
+                <a:tc>
+                  <a:txBody>
+                    <a:bodyPr/>
+                    <a:lstStyle/>
+                    <a:p>
+                      <a:r>
+                        <a:t>-57</a:t>
+                      </a:r>
+                    </a:p>
+                  </a:txBody>
+                  <a:tcPr/>
+                </a:tc>
+                <a:tc>
+                  <a:txBody>
+                    <a:bodyPr/>
+                    <a:lstStyle/>
+                    <a:p>
+                      <a:r>
+                        <a:t>-65</a:t>
+                      </a:r>
+                    </a:p>
+                  </a:txBody>
+                  <a:tcPr/>
+                </a:tc>
+              </a:tr>
+              <a:tr h="0">
+                <a:tc>
+                  <a:txBody>
+                    <a:bodyPr/>
+                    <a:lstStyle/>
+                    <a:p>
+                      <a:r>
+                        <a:t>2</a:t>
+                      </a:r>
+                    </a:p>
+                  </a:txBody>
+                  <a:tcPr/>
+                </a:tc>
+                <a:tc>
+                  <a:txBody>
+                    <a:bodyPr/>
+                    <a:lstStyle/>
+                    <a:p>
+                      <a:r>
+                        <a:t>7249141700003</a:t>
+                      </a:r>
+                    </a:p>
+                  </a:txBody>
+                  <a:tcPr/>
+                </a:tc>
+                <a:tc>
+                  <a:txBody>
+                    <a:bodyPr/>
+                    <a:lstStyle/>
+                    <a:p>
+                      <a:r>
+                        <a:t>PASS</a:t>
+                      </a:r>
+                    </a:p>
+                  </a:txBody>
+                  <a:tcPr/>
+                </a:tc>
+                <a:tc>
+                  <a:txBody>
+                    <a:bodyPr/>
+                    <a:lstStyle/>
+                    <a:p>
+                      <a:r>
+                        <a:t>-56</a:t>
+                      </a:r>
+                    </a:p>
+                  </a:txBody>
+                  <a:tcPr/>
+                </a:tc>
+                <a:tc>
+                  <a:txBody>
+                    <a:bodyPr/>
+                    <a:lstStyle/>
+                    <a:p>
+                      <a:r>
+                        <a:t>-57</a:t>
+                      </a:r>
+                    </a:p>
+                  </a:txBody>
+                  <a:tcPr/>
+                </a:tc>
+                <a:tc>
+                  <a:txBody>
+                    <a:bodyPr/>
+                    <a:lstStyle/>
+                    <a:p>
+                      <a:r>
+                        <a:t>-65</a:t>
+                      </a:r>
+                    </a:p>
+                  </a:txBody>
+                  <a:tcPr/>
+                </a:tc>
+              </a:tr>
+              <a:tr h="0">
+                <a:tc>
+                  <a:txBody>
+                    <a:bodyPr/>
+                    <a:lstStyle/>
+                    <a:p>
+                      <a:r>
+                        <a:t>3</a:t>
+                      </a:r>
+                    </a:p>
+                  </a:txBody>
+                  <a:tcPr/>
+                </a:tc>
+                <a:tc>
+                  <a:txBody>
+                    <a:bodyPr/>
+                    <a:lstStyle/>
+                    <a:p>
+                      <a:r>
+                        <a:t>7249141700005</a:t>
+                      </a:r>
+                    </a:p>
+                  </a:txBody>
+                  <a:tcPr/>
+                </a:tc>
+                <a:tc>
+                  <a:txBody>
+                    <a:bodyPr/>
+                    <a:lstStyle/>
+                    <a:p>
+                      <a:r>
+                        <a:t>PASS</a:t>
+                      </a:r>
+                    </a:p>
+                  </a:txBody>
+                  <a:tcPr/>
+                </a:tc>
+                <a:tc>
+                  <a:txBody>
+                    <a:bodyPr/>
+                    <a:lstStyle/>
+                    <a:p>
+                      <a:r>
+                        <a:t>-52</a:t>
+                      </a:r>
+                    </a:p>
+                  </a:txBody>
+                  <a:tcPr/>
+                </a:tc>
+                <a:tc>
+                  <a:txBody>
+                    <a:bodyPr/>
+                    <a:lstStyle/>
+                    <a:p>
+                      <a:r>
+                        <a:t>-53</a:t>
+                      </a:r>
+                    </a:p>
+                  </a:txBody>
+                  <a:tcPr/>
+                </a:tc>
+                <a:tc>
+                  <a:txBody>
+                    <a:bodyPr/>
+                    <a:lstStyle/>
+                    <a:p>
+                      <a:r>
+                        <a:t>-65asdfasdf</a:t>
+                      </a:r>
+                    </a:p>
+                  </a:txBody>
+                  <a:tcPr/>
+                </a:tc>
+              </a:tr>
+              <a:tr h="0">
+                <a:tc>
+                  <a:txBody>
+                    <a:bodyPr/>
+                    <a:lstStyle/>
+                    <a:p>
+                      <a:r>
+                        <a:t>4</a:t>
+                      </a:r>
+                    </a:p>
+                  </a:txBody>
+                  <a:tcPr/>
+                </a:tc>
+                <a:tc>
+                  <a:txBody>
+                    <a:bodyPr/>
+                    <a:lstStyle/>
+                    <a:p>
+                      <a:r>
+                        <a:t>7249141700008</a:t>
+                      </a:r>
+                    </a:p>
+                  </a:txBody>
+                  <a:tcPr/>
+                </a:tc>
+                <a:tc>
+                  <a:txBody>
+                    <a:bodyPr/>
+                    <a:lstStyle/>
+                    <a:p>
+                      <a:r>
+                        <a:t>PASS</a:t>
+                      </a:r>
+                    </a:p>
+                  </a:txBody>
+                  <a:tcPr/>
+                </a:tc>
+                <a:tc>
+                  <a:txBody>
+                    <a:bodyPr/>
+                    <a:lstStyle/>
+                    <a:p>
+                      <a:r>
+                        <a:t>-52</a:t>
+                      </a:r>
+                    </a:p>
+                  </a:txBody>
+                  <a:tcPr/>
+                </a:tc>
+                <a:tc>
+                  <a:txBody>
+                    <a:bodyPr/>
+                    <a:lstStyle/>
+                    <a:p>
+                      <a:r>
+                        <a:t>-53</a:t>
+                      </a:r>
+                    </a:p>
+                  </a:txBody>
+                  <a:tcPr/>
+                </a:tc>
+                <a:tc>
+                  <a:txBody>
+                    <a:bodyPr/>
+                    <a:lstStyle/>
+                    <a:p>
+                      <a:r>
+                        <a:t>-65</a:t>
+                      </a:r>
+                    </a:p>
+                  </a:txBody>
+                  <a:tcPr/>
+                </a:tc>
+              </a:tr>
+              <a:tr h="0">
+                <a:tc>
+                  <a:txBody>
+                    <a:bodyPr/>
+                    <a:lstStyle/>
+                    <a:p>
+                      <a:r>
+                        <a:t>5</a:t>
+                      </a:r>
+                    </a:p>
+                  </a:txBody>
+                  <a:tcPr/>
+                </a:tc>
+                <a:tc>
+                  <a:txBody>
+                    <a:bodyPr/>
+                    <a:lstStyle/>
+                    <a:p>
+                      <a:r>
+                        <a:t>7249141700009</a:t>
+                      </a:r>
+                    </a:p>
+                  </a:txBody>
+                  <a:tcPr/>
+                </a:tc>
+                <a:tc>
+                  <a:txBody>
+                    <a:bodyPr/>
+                    <a:lstStyle/>
+                    <a:p>
+                      <a:r>
+                        <a:t>PASS</a:t>
+                      </a:r>
+                    </a:p>
+                  </a:txBody>
+                  <a:tcPr/>
+                </a:tc>
+                <a:tc>
+                  <a:txBody>
+                    <a:bodyPr/>
+                    <a:lstStyle/>
+                    <a:p>
+                      <a:r>
+                        <a:t>-45</a:t>
+                      </a:r>
+                    </a:p>
+                  </a:txBody>
+                  <a:tcPr/>
+                </a:tc>
+                <a:tc>
+                  <a:txBody>
+                    <a:bodyPr/>
+                    <a:lstStyle/>
+                    <a:p>
+                      <a:r>
+                        <a:t>-52</a:t>
+                      </a:r>
+                    </a:p>
+                  </a:txBody>
+                  <a:tcPr/>
+                </a:tc>
+                <a:tc>
+                  <a:txBody>
+                    <a:bodyPr/>
+                    <a:lstStyle/>
+                    <a:p>
+                      <a:r>
+                        <a:t>-65</a:t>
+                      </a:r>
+                    </a:p>
+                  </a:txBody>
+                  <a:tcPr/>
                 </a:tc>
               </a:tr>
             </a:tbl>

--- a/pptx/result/test.pptx
+++ b/pptx/result/test.pptx
@@ -3215,7 +3215,7 @@
         </p:nvGraphicFramePr>
         <p:xfrm>
           <a:off x="0" y="0"/>
-          <a:ext cx="8714400" cy="0"/>
+          <a:ext cx="0" cy="0"/>
         </p:xfrm>
         <a:graphic>
           <a:graphicData uri="http://schemas.openxmlformats.org/drawingml/2006/table">
@@ -3224,8 +3224,8 @@
                 <a:tableStyleId>{5C22544A-7EE6-4342-B048-85BDC9FD1C3A}</a:tableStyleId>
               </a:tblPr>
               <a:tblGrid>
-                <a:gridCol w="1156800"/>
-                <a:gridCol w="7557600"/>
+                <a:gridCol w="0"/>
+                <a:gridCol w="0"/>
               </a:tblGrid>
               <a:tr h="0">
                 <a:tc>
@@ -3233,9 +3233,6 @@
                     <a:bodyPr/>
                     <a:lstStyle/>
                     <a:p>
-                      <a:pPr>
-                        <a:defRPr sz="1200"/>
-                      </a:pPr>
                       <a:r>
                         <a:t>Cons</a:t>
                       </a:r>
@@ -3248,9 +3245,6 @@
                     <a:bodyPr/>
                     <a:lstStyle/>
                     <a:p>
-                      <a:pPr>
-                        <a:defRPr sz="1200"/>
-                      </a:pPr>
                       <a:r>
                         <a:t>Pros</a:t>
                       </a:r>
@@ -3265,9 +3259,6 @@
                     <a:bodyPr/>
                     <a:lstStyle/>
                     <a:p>
-                      <a:pPr>
-                        <a:defRPr sz="1200"/>
-                      </a:pPr>
                       <a:r>
                         <a:t>go down</a:t>
                       </a:r>
@@ -3280,25 +3271,16 @@
                     <a:bodyPr/>
                     <a:lstStyle/>
                     <a:p>
-                      <a:pPr>
-                        <a:defRPr sz="1200"/>
-                      </a:pPr>
                       <a:r>
                         <a:t>go down togetherFFFFFFFF</a:t>
                       </a:r>
                     </a:p>
                     <a:p>
-                      <a:pPr>
-                        <a:defRPr sz="1200"/>
-                      </a:pPr>
                       <a:r>
                         <a:t>1234567981231dsa5fasdf4saf5as4dfas4d5f456sd4fsa64</a:t>
                       </a:r>
                     </a:p>
                     <a:p>
-                      <a:pPr>
-                        <a:defRPr sz="1200"/>
-                      </a:pPr>
                       <a:r>
                         <a:t>165sad4f65sad4fasd54f</a:t>
                       </a:r>
